--- a/Hackaton_presentation.pptx
+++ b/Hackaton_presentation.pptx
@@ -6,28 +6,26 @@
     <p:sldMasterId id="2147483661" r:id="rId2"/>
   </p:sldMasterIdLst>
   <p:notesMasterIdLst>
-    <p:notesMasterId r:id="rId22"/>
+    <p:notesMasterId r:id="rId20"/>
   </p:notesMasterIdLst>
   <p:sldIdLst>
     <p:sldId id="256" r:id="rId3"/>
     <p:sldId id="257" r:id="rId4"/>
-    <p:sldId id="258" r:id="rId5"/>
-    <p:sldId id="266" r:id="rId6"/>
-    <p:sldId id="259" r:id="rId7"/>
-    <p:sldId id="260" r:id="rId8"/>
-    <p:sldId id="261" r:id="rId9"/>
-    <p:sldId id="262" r:id="rId10"/>
-    <p:sldId id="263" r:id="rId11"/>
-    <p:sldId id="267" r:id="rId12"/>
-    <p:sldId id="265" r:id="rId13"/>
-    <p:sldId id="294" r:id="rId14"/>
-    <p:sldId id="291" r:id="rId15"/>
-    <p:sldId id="292" r:id="rId16"/>
-    <p:sldId id="293" r:id="rId17"/>
-    <p:sldId id="268" r:id="rId18"/>
-    <p:sldId id="269" r:id="rId19"/>
-    <p:sldId id="270" r:id="rId20"/>
-    <p:sldId id="271" r:id="rId21"/>
+    <p:sldId id="260" r:id="rId5"/>
+    <p:sldId id="294" r:id="rId6"/>
+    <p:sldId id="295" r:id="rId7"/>
+    <p:sldId id="266" r:id="rId8"/>
+    <p:sldId id="259" r:id="rId9"/>
+    <p:sldId id="258" r:id="rId10"/>
+    <p:sldId id="265" r:id="rId11"/>
+    <p:sldId id="262" r:id="rId12"/>
+    <p:sldId id="291" r:id="rId13"/>
+    <p:sldId id="292" r:id="rId14"/>
+    <p:sldId id="293" r:id="rId15"/>
+    <p:sldId id="268" r:id="rId16"/>
+    <p:sldId id="269" r:id="rId17"/>
+    <p:sldId id="270" r:id="rId18"/>
+    <p:sldId id="271" r:id="rId19"/>
   </p:sldIdLst>
   <p:sldSz cx="10080625" cy="5670550"/>
   <p:notesSz cx="7559675" cy="10691813"/>
@@ -228,7 +226,7 @@
           <a:p>
             <a:fld id="{48B36A84-5113-4EB9-99FA-F86BC4EB98F4}" type="datetimeFigureOut">
               <a:rPr lang="en-IL" smtClean="0"/>
-              <a:t>05/07/2021</a:t>
+              <a:t>07/05/2021</a:t>
             </a:fld>
             <a:endParaRPr lang="en-IL"/>
           </a:p>
@@ -679,6 +677,90 @@
     <p:extLst>
       <p:ext uri="{BB962C8B-B14F-4D97-AF65-F5344CB8AC3E}">
         <p14:creationId xmlns:p14="http://schemas.microsoft.com/office/powerpoint/2010/main" val="566329601"/>
+      </p:ext>
+    </p:extLst>
+  </p:cSld>
+  <p:clrMapOvr>
+    <a:masterClrMapping/>
+  </p:clrMapOvr>
+</p:notes>
+</file>
+
+<file path=ppt/notesSlides/notesSlide3.xml><?xml version="1.0" encoding="utf-8"?>
+<p:notes xmlns:a="http://schemas.openxmlformats.org/drawingml/2006/main" xmlns:r="http://schemas.openxmlformats.org/officeDocument/2006/relationships" xmlns:p="http://schemas.openxmlformats.org/presentationml/2006/main">
+  <p:cSld>
+    <p:spTree>
+      <p:nvGrpSpPr>
+        <p:cNvPr id="1" name=""/>
+        <p:cNvGrpSpPr/>
+        <p:nvPr/>
+      </p:nvGrpSpPr>
+      <p:grpSpPr>
+        <a:xfrm>
+          <a:off x="0" y="0"/>
+          <a:ext cx="0" cy="0"/>
+          <a:chOff x="0" y="0"/>
+          <a:chExt cx="0" cy="0"/>
+        </a:xfrm>
+      </p:grpSpPr>
+      <p:sp>
+        <p:nvSpPr>
+          <p:cNvPr id="2" name="Slide Image Placeholder 1"/>
+          <p:cNvSpPr>
+            <a:spLocks noGrp="1" noRot="1" noChangeAspect="1"/>
+          </p:cNvSpPr>
+          <p:nvPr>
+            <p:ph type="sldImg"/>
+          </p:nvPr>
+        </p:nvSpPr>
+        <p:spPr/>
+      </p:sp>
+      <p:sp>
+        <p:nvSpPr>
+          <p:cNvPr id="3" name="Notes Placeholder 2"/>
+          <p:cNvSpPr>
+            <a:spLocks noGrp="1"/>
+          </p:cNvSpPr>
+          <p:nvPr>
+            <p:ph type="body" idx="1"/>
+          </p:nvPr>
+        </p:nvSpPr>
+        <p:spPr/>
+        <p:txBody>
+          <a:bodyPr/>
+          <a:lstStyle/>
+          <a:p>
+            <a:endParaRPr lang="en-US" dirty="0"/>
+          </a:p>
+        </p:txBody>
+      </p:sp>
+      <p:sp>
+        <p:nvSpPr>
+          <p:cNvPr id="4" name="Slide Number Placeholder 3"/>
+          <p:cNvSpPr>
+            <a:spLocks noGrp="1"/>
+          </p:cNvSpPr>
+          <p:nvPr>
+            <p:ph type="sldNum" sz="quarter" idx="5"/>
+          </p:nvPr>
+        </p:nvSpPr>
+        <p:spPr/>
+        <p:txBody>
+          <a:bodyPr/>
+          <a:lstStyle/>
+          <a:p>
+            <a:fld id="{378B93CC-BF50-4A38-BC93-69B1C3B9F2AF}" type="slidenum">
+              <a:rPr lang="en-IL" smtClean="0"/>
+              <a:t>4</a:t>
+            </a:fld>
+            <a:endParaRPr lang="en-IL"/>
+          </a:p>
+        </p:txBody>
+      </p:sp>
+    </p:spTree>
+    <p:extLst>
+      <p:ext uri="{BB962C8B-B14F-4D97-AF65-F5344CB8AC3E}">
+        <p14:creationId xmlns:p14="http://schemas.microsoft.com/office/powerpoint/2010/main" val="2451631092"/>
       </p:ext>
     </p:extLst>
   </p:cSld>
@@ -5064,183 +5146,6 @@
 </file>
 
 <file path=ppt/slides/slide10.xml><?xml version="1.0" encoding="utf-8"?>
-<p:sld xmlns:a="http://schemas.openxmlformats.org/drawingml/2006/main" xmlns:r="http://schemas.openxmlformats.org/officeDocument/2006/relationships" xmlns:p="http://schemas.openxmlformats.org/presentationml/2006/main" show="0">
-  <p:cSld>
-    <p:spTree>
-      <p:nvGrpSpPr>
-        <p:cNvPr id="1" name=""/>
-        <p:cNvGrpSpPr/>
-        <p:nvPr/>
-      </p:nvGrpSpPr>
-      <p:grpSpPr>
-        <a:xfrm>
-          <a:off x="0" y="0"/>
-          <a:ext cx="0" cy="0"/>
-          <a:chOff x="0" y="0"/>
-          <a:chExt cx="0" cy="0"/>
-        </a:xfrm>
-      </p:grpSpPr>
-      <p:sp>
-        <p:nvSpPr>
-          <p:cNvPr id="100" name="CustomShape 1"/>
-          <p:cNvSpPr/>
-          <p:nvPr/>
-        </p:nvSpPr>
-        <p:spPr>
-          <a:xfrm>
-            <a:off x="692640" y="301680"/>
-            <a:ext cx="8691840" cy="1094040"/>
-          </a:xfrm>
-          <a:prstGeom prst="rect">
-            <a:avLst/>
-          </a:prstGeom>
-          <a:noFill/>
-          <a:ln>
-            <a:noFill/>
-          </a:ln>
-        </p:spPr>
-        <p:style>
-          <a:lnRef idx="0">
-            <a:scrgbClr r="0" g="0" b="0"/>
-          </a:lnRef>
-          <a:fillRef idx="0">
-            <a:scrgbClr r="0" g="0" b="0"/>
-          </a:fillRef>
-          <a:effectRef idx="0">
-            <a:scrgbClr r="0" g="0" b="0"/>
-          </a:effectRef>
-          <a:fontRef idx="minor"/>
-        </p:style>
-        <p:txBody>
-          <a:bodyPr lIns="90000" tIns="45000" rIns="90000" bIns="45000" anchor="ctr">
-            <a:noAutofit/>
-          </a:bodyPr>
-          <a:lstStyle/>
-          <a:p>
-            <a:pPr>
-              <a:lnSpc>
-                <a:spcPct val="90000"/>
-              </a:lnSpc>
-            </a:pPr>
-            <a:r>
-              <a:rPr lang="en" sz="4400" b="0" strike="noStrike" spc="-1">
-                <a:solidFill>
-                  <a:srgbClr val="000000"/>
-                </a:solidFill>
-                <a:latin typeface="Cambria"/>
-                <a:ea typeface="Cambria"/>
-              </a:rPr>
-              <a:t>Main Challenges and Difficulties</a:t>
-            </a:r>
-            <a:endParaRPr lang="en-US" sz="4400" b="0" strike="noStrike" spc="-1">
-              <a:latin typeface="Arial"/>
-            </a:endParaRPr>
-          </a:p>
-        </p:txBody>
-      </p:sp>
-      <p:sp>
-        <p:nvSpPr>
-          <p:cNvPr id="101" name="CustomShape 2"/>
-          <p:cNvSpPr/>
-          <p:nvPr/>
-        </p:nvSpPr>
-        <p:spPr>
-          <a:xfrm>
-            <a:off x="692640" y="1509120"/>
-            <a:ext cx="8691840" cy="3595320"/>
-          </a:xfrm>
-          <a:prstGeom prst="rect">
-            <a:avLst/>
-          </a:prstGeom>
-          <a:noFill/>
-          <a:ln>
-            <a:noFill/>
-          </a:ln>
-        </p:spPr>
-        <p:style>
-          <a:lnRef idx="0">
-            <a:scrgbClr r="0" g="0" b="0"/>
-          </a:lnRef>
-          <a:fillRef idx="0">
-            <a:scrgbClr r="0" g="0" b="0"/>
-          </a:fillRef>
-          <a:effectRef idx="0">
-            <a:scrgbClr r="0" g="0" b="0"/>
-          </a:effectRef>
-          <a:fontRef idx="minor"/>
-        </p:style>
-        <p:txBody>
-          <a:bodyPr lIns="90000" tIns="45000" rIns="90000" bIns="45000">
-            <a:noAutofit/>
-          </a:bodyPr>
-          <a:lstStyle/>
-          <a:p>
-            <a:pPr marL="228600" indent="-226440">
-              <a:lnSpc>
-                <a:spcPct val="90000"/>
-              </a:lnSpc>
-              <a:spcBef>
-                <a:spcPts val="1001"/>
-              </a:spcBef>
-              <a:buClr>
-                <a:srgbClr val="000000"/>
-              </a:buClr>
-              <a:buFont typeface="Arial"/>
-              <a:buChar char="•"/>
-            </a:pPr>
-            <a:r>
-              <a:rPr lang="en" sz="2800" b="0" strike="noStrike" spc="-1" dirty="0">
-                <a:solidFill>
-                  <a:srgbClr val="000000"/>
-                </a:solidFill>
-                <a:latin typeface="Candara"/>
-                <a:ea typeface="DejaVu Sans"/>
-              </a:rPr>
-              <a:t>Parsing the log file turned out to be a hassle. Finally we found a pip-installable library that…</a:t>
-            </a:r>
-          </a:p>
-          <a:p>
-            <a:pPr>
-              <a:lnSpc>
-                <a:spcPct val="90000"/>
-              </a:lnSpc>
-              <a:spcBef>
-                <a:spcPts val="1001"/>
-              </a:spcBef>
-            </a:pPr>
-            <a:endParaRPr lang="en-US" sz="2800" b="0" strike="noStrike" spc="-1" dirty="0">
-              <a:latin typeface="Arial"/>
-            </a:endParaRPr>
-          </a:p>
-          <a:p>
-            <a:pPr>
-              <a:lnSpc>
-                <a:spcPct val="90000"/>
-              </a:lnSpc>
-              <a:spcBef>
-                <a:spcPts val="1001"/>
-              </a:spcBef>
-            </a:pPr>
-            <a:endParaRPr lang="en-US" sz="2800" b="0" strike="noStrike" spc="-1" dirty="0">
-              <a:latin typeface="Arial"/>
-            </a:endParaRPr>
-          </a:p>
-        </p:txBody>
-      </p:sp>
-    </p:spTree>
-    <p:extLst>
-      <p:ext uri="{BB962C8B-B14F-4D97-AF65-F5344CB8AC3E}">
-        <p14:creationId xmlns:p14="http://schemas.microsoft.com/office/powerpoint/2010/main" val="2446850034"/>
-      </p:ext>
-    </p:extLst>
-  </p:cSld>
-  <p:clrMapOvr>
-    <a:masterClrMapping/>
-  </p:clrMapOvr>
-</p:sld>
-</file>
-
-<file path=ppt/slides/slide11.xml><?xml version="1.0" encoding="utf-8"?>
 <p:sld xmlns:a="http://schemas.openxmlformats.org/drawingml/2006/main" xmlns:r="http://schemas.openxmlformats.org/officeDocument/2006/relationships" xmlns:p="http://schemas.openxmlformats.org/presentationml/2006/main">
   <p:cSld>
     <p:spTree>
@@ -5259,13 +5164,13 @@
       </p:grpSpPr>
       <p:sp>
         <p:nvSpPr>
-          <p:cNvPr id="104" name="CustomShape 1"/>
+          <p:cNvPr id="98" name="CustomShape 1"/>
           <p:cNvSpPr/>
           <p:nvPr/>
         </p:nvSpPr>
         <p:spPr>
           <a:xfrm>
-            <a:off x="692640" y="301680"/>
+            <a:off x="692640" y="276280"/>
             <a:ext cx="8691840" cy="1094040"/>
           </a:xfrm>
           <a:prstGeom prst="rect">
@@ -5300,24 +5205,24 @@
               </a:lnSpc>
             </a:pPr>
             <a:r>
-              <a:rPr lang="en" sz="4400" b="0" strike="noStrike" spc="-1">
+              <a:rPr lang="en" sz="4400" b="0" strike="noStrike" spc="-1" dirty="0">
                 <a:solidFill>
                   <a:srgbClr val="000000"/>
                 </a:solidFill>
                 <a:latin typeface="Cambria"/>
                 <a:ea typeface="Cambria"/>
               </a:rPr>
-              <a:t>Concluding Remarks</a:t>
-            </a:r>
-            <a:endParaRPr lang="en-US" sz="4400" b="0" strike="noStrike" spc="-1">
-              <a:latin typeface="Arial"/>
-            </a:endParaRPr>
-          </a:p>
-        </p:txBody>
-      </p:sp>
-      <p:sp>
-        <p:nvSpPr>
-          <p:cNvPr id="105" name="CustomShape 2"/>
+              <a:t>UI Key Features</a:t>
+            </a:r>
+            <a:endParaRPr lang="en-US" sz="4400" b="0" strike="noStrike" spc="-1" dirty="0">
+              <a:latin typeface="Arial"/>
+            </a:endParaRPr>
+          </a:p>
+        </p:txBody>
+      </p:sp>
+      <p:sp>
+        <p:nvSpPr>
+          <p:cNvPr id="99" name="CustomShape 2"/>
           <p:cNvSpPr/>
           <p:nvPr/>
         </p:nvSpPr>
@@ -5352,180 +5257,72 @@
           </a:bodyPr>
           <a:lstStyle/>
           <a:p>
-            <a:pPr marL="228600" indent="-226440">
+            <a:pPr>
+              <a:lnSpc>
+                <a:spcPct val="90000"/>
+              </a:lnSpc>
               <a:spcBef>
                 <a:spcPts val="1001"/>
               </a:spcBef>
-              <a:buClr>
-                <a:srgbClr val="000000"/>
-              </a:buClr>
-              <a:buFont typeface="Arial"/>
-              <a:buChar char="•"/>
             </a:pPr>
             <a:r>
-              <a:rPr lang="en" sz="2000" b="1" strike="noStrike" spc="-1" dirty="0">
+              <a:rPr lang="en" sz="2800" b="0" strike="noStrike" spc="-1" dirty="0">
                 <a:solidFill>
                   <a:srgbClr val="000000"/>
                 </a:solidFill>
                 <a:latin typeface="Candara"/>
                 <a:ea typeface="DejaVu Sans"/>
               </a:rPr>
-              <a:t>Is the project usable?</a:t>
-            </a:r>
-          </a:p>
-          <a:p>
-            <a:pPr marL="228600" indent="-226440">
+              <a:t>*** IMAGE OF UI ***</a:t>
+            </a:r>
+            <a:endParaRPr lang="en-US" sz="2800" b="0" strike="noStrike" spc="-1" dirty="0">
+              <a:latin typeface="Arial"/>
+            </a:endParaRPr>
+          </a:p>
+          <a:p>
+            <a:pPr>
+              <a:lnSpc>
+                <a:spcPct val="90000"/>
+              </a:lnSpc>
               <a:spcBef>
                 <a:spcPts val="1001"/>
               </a:spcBef>
-              <a:buClr>
-                <a:srgbClr val="000000"/>
-              </a:buClr>
-              <a:buFont typeface="Arial"/>
-              <a:buChar char="•"/>
             </a:pPr>
-            <a:r>
-              <a:rPr lang="en" sz="2000" spc="-1" dirty="0">
+            <a:endParaRPr lang="en-US" sz="2800" b="0" strike="noStrike" spc="-1" dirty="0">
+              <a:latin typeface="Arial"/>
+            </a:endParaRPr>
+          </a:p>
+          <a:p>
+            <a:pPr>
+              <a:lnSpc>
+                <a:spcPct val="90000"/>
+              </a:lnSpc>
+              <a:spcBef>
+                <a:spcPts val="1001"/>
+              </a:spcBef>
+            </a:pPr>
+            <a:r>
+              <a:rPr lang="en" sz="2800" b="0" strike="noStrike" spc="-1" dirty="0">
                 <a:solidFill>
                   <a:srgbClr val="000000"/>
                 </a:solidFill>
                 <a:latin typeface="Candara"/>
                 <a:ea typeface="DejaVu Sans"/>
               </a:rPr>
-              <a:t>The project is usable and user friendly. Scientists can choose which features they would like to use: our application suggests ploting figures for different physiology data for each subject, as well as calculating different statistics based on sleep parameters, in order to predict and understand the correlations. </a:t>
-            </a:r>
-            <a:r>
-              <a:rPr lang="en" sz="2000" b="0" strike="noStrike" spc="-1" dirty="0">
-                <a:solidFill>
-                  <a:srgbClr val="000000"/>
-                </a:solidFill>
-                <a:latin typeface="Candara"/>
-                <a:ea typeface="DejaVu Sans"/>
-              </a:rPr>
-              <a:t> </a:t>
-            </a:r>
-            <a:endParaRPr lang="en-US" sz="2000" b="0" strike="noStrike" spc="-1" dirty="0">
-              <a:latin typeface="Arial"/>
-            </a:endParaRPr>
-          </a:p>
-          <a:p>
-            <a:pPr>
-              <a:spcBef>
-                <a:spcPts val="1001"/>
-              </a:spcBef>
-            </a:pPr>
-            <a:endParaRPr lang="en-US" sz="2000" b="1" strike="noStrike" spc="-1" dirty="0">
-              <a:latin typeface="Arial"/>
-            </a:endParaRPr>
-          </a:p>
-          <a:p>
-            <a:pPr marL="228600" indent="-226440">
-              <a:spcBef>
-                <a:spcPts val="1001"/>
-              </a:spcBef>
-              <a:buClr>
-                <a:srgbClr val="000000"/>
-              </a:buClr>
-              <a:buFont typeface="Arial"/>
-              <a:buChar char="•"/>
-            </a:pPr>
-            <a:r>
-              <a:rPr lang="en" sz="2000" b="1" strike="noStrike" spc="-1" dirty="0">
-                <a:solidFill>
-                  <a:srgbClr val="000000"/>
-                </a:solidFill>
-                <a:latin typeface="Candara"/>
-                <a:ea typeface="DejaVu Sans"/>
-              </a:rPr>
-              <a:t>What’s left to do?</a:t>
-            </a:r>
-          </a:p>
-          <a:p>
-            <a:pPr marL="228600" indent="-226440">
-              <a:spcBef>
-                <a:spcPts val="1001"/>
-              </a:spcBef>
-              <a:buClr>
-                <a:srgbClr val="000000"/>
-              </a:buClr>
-              <a:buFont typeface="Arial"/>
-              <a:buChar char="•"/>
-            </a:pPr>
-            <a:r>
-              <a:rPr lang="en" sz="2000" spc="-1" dirty="0">
-                <a:solidFill>
-                  <a:srgbClr val="000000"/>
-                </a:solidFill>
-                <a:latin typeface="Candara"/>
-              </a:rPr>
-              <a:t>An interesting feature could use the overlaping nights in order to </a:t>
-            </a:r>
-            <a:r>
-              <a:rPr lang="en-US" sz="2000" spc="-1" dirty="0">
-                <a:solidFill>
-                  <a:srgbClr val="000000"/>
-                </a:solidFill>
-                <a:latin typeface="Candara"/>
-              </a:rPr>
-              <a:t>validate the actigraphy data in comparison to the EEG scoring. </a:t>
-            </a:r>
-            <a:endParaRPr lang="en-US" sz="2000" b="0" strike="noStrike" spc="-1" dirty="0">
-              <a:latin typeface="Arial"/>
-            </a:endParaRPr>
-          </a:p>
-          <a:p>
-            <a:pPr>
-              <a:spcBef>
-                <a:spcPts val="1001"/>
-              </a:spcBef>
-            </a:pPr>
-            <a:endParaRPr lang="en-US" sz="2000" b="0" strike="noStrike" spc="-1" dirty="0">
-              <a:latin typeface="Arial"/>
-            </a:endParaRPr>
-          </a:p>
-          <a:p>
-            <a:pPr>
-              <a:spcBef>
-                <a:spcPts val="1001"/>
-              </a:spcBef>
-            </a:pPr>
-            <a:endParaRPr lang="en-US" sz="2000" b="0" strike="noStrike" spc="-1" dirty="0">
-              <a:latin typeface="Arial"/>
-            </a:endParaRPr>
-          </a:p>
-        </p:txBody>
-      </p:sp>
-    </p:spTree>
-  </p:cSld>
-  <p:clrMapOvr>
-    <a:masterClrMapping/>
-  </p:clrMapOvr>
-</p:sld>
-</file>
-
-<file path=ppt/slides/slide12.xml><?xml version="1.0" encoding="utf-8"?>
-<p:sld xmlns:a="http://schemas.openxmlformats.org/drawingml/2006/main" xmlns:r="http://schemas.openxmlformats.org/officeDocument/2006/relationships" xmlns:p="http://schemas.openxmlformats.org/presentationml/2006/main">
-  <p:cSld>
-    <p:spTree>
-      <p:nvGrpSpPr>
-        <p:cNvPr id="1" name=""/>
-        <p:cNvGrpSpPr/>
-        <p:nvPr/>
-      </p:nvGrpSpPr>
-      <p:grpSpPr>
-        <a:xfrm>
-          <a:off x="0" y="0"/>
-          <a:ext cx="0" cy="0"/>
-          <a:chOff x="0" y="0"/>
-          <a:chExt cx="0" cy="0"/>
-        </a:xfrm>
-      </p:grpSpPr>
+              <a:t>*** CODE SAMPLE ***</a:t>
+            </a:r>
+            <a:endParaRPr lang="en-US" sz="2800" b="0" strike="noStrike" spc="-1" dirty="0">
+              <a:latin typeface="Arial"/>
+            </a:endParaRPr>
+          </a:p>
+        </p:txBody>
+      </p:sp>
       <p:pic>
         <p:nvPicPr>
           <p:cNvPr id="3" name="Picture 2">
             <a:extLst>
               <a:ext uri="{FF2B5EF4-FFF2-40B4-BE49-F238E27FC236}">
-                <a16:creationId xmlns:a16="http://schemas.microsoft.com/office/drawing/2014/main" id="{11A5E1AF-371A-4BFD-8E01-17888066C595}"/>
+                <a16:creationId xmlns:a16="http://schemas.microsoft.com/office/drawing/2014/main" id="{B4C2F771-1381-4DD5-9236-2A66A4A825E2}"/>
               </a:ext>
             </a:extLst>
           </p:cNvPr>
@@ -5542,7 +5339,37 @@
         </p:blipFill>
         <p:spPr>
           <a:xfrm>
-            <a:off x="-1" y="858746"/>
+            <a:off x="321733" y="1288574"/>
+            <a:ext cx="9471025" cy="3052825"/>
+          </a:xfrm>
+          <a:prstGeom prst="rect">
+            <a:avLst/>
+          </a:prstGeom>
+        </p:spPr>
+      </p:pic>
+      <p:pic>
+        <p:nvPicPr>
+          <p:cNvPr id="5" name="Picture 4">
+            <a:extLst>
+              <a:ext uri="{FF2B5EF4-FFF2-40B4-BE49-F238E27FC236}">
+                <a16:creationId xmlns:a16="http://schemas.microsoft.com/office/drawing/2014/main" id="{D26B20A2-0438-4827-B991-5030A9A97627}"/>
+              </a:ext>
+            </a:extLst>
+          </p:cNvPr>
+          <p:cNvPicPr>
+            <a:picLocks noChangeAspect="1"/>
+          </p:cNvPicPr>
+          <p:nvPr/>
+        </p:nvPicPr>
+        <p:blipFill>
+          <a:blip r:embed="rId3"/>
+          <a:stretch>
+            <a:fillRect/>
+          </a:stretch>
+        </p:blipFill>
+        <p:spPr>
+          <a:xfrm>
+            <a:off x="-1" y="1288574"/>
             <a:ext cx="10080625" cy="3953059"/>
           </a:xfrm>
           <a:prstGeom prst="rect">
@@ -5551,11 +5378,6 @@
         </p:spPr>
       </p:pic>
     </p:spTree>
-    <p:extLst>
-      <p:ext uri="{BB962C8B-B14F-4D97-AF65-F5344CB8AC3E}">
-        <p14:creationId xmlns:p14="http://schemas.microsoft.com/office/powerpoint/2010/main" val="89119408"/>
-      </p:ext>
-    </p:extLst>
   </p:cSld>
   <p:clrMapOvr>
     <a:masterClrMapping/>
@@ -5563,8 +5385,8 @@
 </p:sld>
 </file>
 
-<file path=ppt/slides/slide13.xml><?xml version="1.0" encoding="utf-8"?>
-<p:sld xmlns:a="http://schemas.openxmlformats.org/drawingml/2006/main" xmlns:r="http://schemas.openxmlformats.org/officeDocument/2006/relationships" xmlns:p="http://schemas.openxmlformats.org/presentationml/2006/main">
+<file path=ppt/slides/slide11.xml><?xml version="1.0" encoding="utf-8"?>
+<p:sld xmlns:a="http://schemas.openxmlformats.org/drawingml/2006/main" xmlns:r="http://schemas.openxmlformats.org/officeDocument/2006/relationships" xmlns:p="http://schemas.openxmlformats.org/presentationml/2006/main" show="0">
   <p:cSld>
     <p:spTree>
       <p:nvGrpSpPr>
@@ -5623,8 +5445,8 @@
 </p:sld>
 </file>
 
-<file path=ppt/slides/slide14.xml><?xml version="1.0" encoding="utf-8"?>
-<p:sld xmlns:a="http://schemas.openxmlformats.org/drawingml/2006/main" xmlns:r="http://schemas.openxmlformats.org/officeDocument/2006/relationships" xmlns:p="http://schemas.openxmlformats.org/presentationml/2006/main">
+<file path=ppt/slides/slide12.xml><?xml version="1.0" encoding="utf-8"?>
+<p:sld xmlns:a="http://schemas.openxmlformats.org/drawingml/2006/main" xmlns:r="http://schemas.openxmlformats.org/officeDocument/2006/relationships" xmlns:p="http://schemas.openxmlformats.org/presentationml/2006/main" show="0">
   <p:cSld>
     <p:spTree>
       <p:nvGrpSpPr>
@@ -5683,8 +5505,8 @@
 </p:sld>
 </file>
 
-<file path=ppt/slides/slide15.xml><?xml version="1.0" encoding="utf-8"?>
-<p:sld xmlns:a="http://schemas.openxmlformats.org/drawingml/2006/main" xmlns:r="http://schemas.openxmlformats.org/officeDocument/2006/relationships" xmlns:p="http://schemas.openxmlformats.org/presentationml/2006/main">
+<file path=ppt/slides/slide13.xml><?xml version="1.0" encoding="utf-8"?>
+<p:sld xmlns:a="http://schemas.openxmlformats.org/drawingml/2006/main" xmlns:r="http://schemas.openxmlformats.org/officeDocument/2006/relationships" xmlns:p="http://schemas.openxmlformats.org/presentationml/2006/main" show="0">
   <p:cSld>
     <p:spTree>
       <p:nvGrpSpPr>
@@ -5743,8 +5565,8 @@
 </p:sld>
 </file>
 
-<file path=ppt/slides/slide16.xml><?xml version="1.0" encoding="utf-8"?>
-<p:sld xmlns:a="http://schemas.openxmlformats.org/drawingml/2006/main" xmlns:r="http://schemas.openxmlformats.org/officeDocument/2006/relationships" xmlns:p="http://schemas.openxmlformats.org/presentationml/2006/main">
+<file path=ppt/slides/slide14.xml><?xml version="1.0" encoding="utf-8"?>
+<p:sld xmlns:a="http://schemas.openxmlformats.org/drawingml/2006/main" xmlns:r="http://schemas.openxmlformats.org/officeDocument/2006/relationships" xmlns:p="http://schemas.openxmlformats.org/presentationml/2006/main" show="0">
   <p:cSld>
     <p:spTree>
       <p:nvGrpSpPr>
@@ -5809,8 +5631,8 @@
 </p:sld>
 </file>
 
-<file path=ppt/slides/slide17.xml><?xml version="1.0" encoding="utf-8"?>
-<p:sld xmlns:a="http://schemas.openxmlformats.org/drawingml/2006/main" xmlns:r="http://schemas.openxmlformats.org/officeDocument/2006/relationships" xmlns:p="http://schemas.openxmlformats.org/presentationml/2006/main">
+<file path=ppt/slides/slide15.xml><?xml version="1.0" encoding="utf-8"?>
+<p:sld xmlns:a="http://schemas.openxmlformats.org/drawingml/2006/main" xmlns:r="http://schemas.openxmlformats.org/officeDocument/2006/relationships" xmlns:p="http://schemas.openxmlformats.org/presentationml/2006/main" show="0">
   <p:cSld>
     <p:spTree>
       <p:nvGrpSpPr>
@@ -5875,8 +5697,8 @@
 </p:sld>
 </file>
 
-<file path=ppt/slides/slide18.xml><?xml version="1.0" encoding="utf-8"?>
-<p:sld xmlns:a="http://schemas.openxmlformats.org/drawingml/2006/main" xmlns:r="http://schemas.openxmlformats.org/officeDocument/2006/relationships" xmlns:p="http://schemas.openxmlformats.org/presentationml/2006/main">
+<file path=ppt/slides/slide16.xml><?xml version="1.0" encoding="utf-8"?>
+<p:sld xmlns:a="http://schemas.openxmlformats.org/drawingml/2006/main" xmlns:r="http://schemas.openxmlformats.org/officeDocument/2006/relationships" xmlns:p="http://schemas.openxmlformats.org/presentationml/2006/main" show="0">
   <p:cSld>
     <p:spTree>
       <p:nvGrpSpPr>
@@ -5941,8 +5763,8 @@
 </p:sld>
 </file>
 
-<file path=ppt/slides/slide19.xml><?xml version="1.0" encoding="utf-8"?>
-<p:sld xmlns:a="http://schemas.openxmlformats.org/drawingml/2006/main" xmlns:r="http://schemas.openxmlformats.org/officeDocument/2006/relationships" xmlns:p="http://schemas.openxmlformats.org/presentationml/2006/main">
+<file path=ppt/slides/slide17.xml><?xml version="1.0" encoding="utf-8"?>
+<p:sld xmlns:a="http://schemas.openxmlformats.org/drawingml/2006/main" xmlns:r="http://schemas.openxmlformats.org/officeDocument/2006/relationships" xmlns:p="http://schemas.openxmlformats.org/presentationml/2006/main" show="0">
   <p:cSld>
     <p:spTree>
       <p:nvGrpSpPr>
@@ -6090,7 +5912,7 @@
         </p:nvSpPr>
         <p:spPr>
           <a:xfrm>
-            <a:off x="692640" y="2286360"/>
+            <a:off x="694392" y="1843014"/>
             <a:ext cx="8691840" cy="3595320"/>
           </a:xfrm>
           <a:prstGeom prst="rect">
@@ -6165,6 +5987,164 @@
             <a:endParaRPr lang="en-US" sz="2800" b="0" strike="noStrike" spc="-1" dirty="0">
               <a:latin typeface="Arial"/>
             </a:endParaRPr>
+          </a:p>
+        </p:txBody>
+      </p:sp>
+      <p:pic>
+        <p:nvPicPr>
+          <p:cNvPr id="3" name="Picture 2" descr="A picture containing indoor, watch, electronic, charger&#10;&#10;Description automatically generated">
+            <a:extLst>
+              <a:ext uri="{FF2B5EF4-FFF2-40B4-BE49-F238E27FC236}">
+                <a16:creationId xmlns:a16="http://schemas.microsoft.com/office/drawing/2014/main" id="{3E3B57A1-4A89-4AF4-9C7F-15A520B86D0D}"/>
+              </a:ext>
+            </a:extLst>
+          </p:cNvPr>
+          <p:cNvPicPr>
+            <a:picLocks noChangeAspect="1"/>
+          </p:cNvPicPr>
+          <p:nvPr/>
+        </p:nvPicPr>
+        <p:blipFill>
+          <a:blip r:embed="rId3">
+            <a:extLst>
+              <a:ext uri="{28A0092B-C50C-407E-A947-70E740481C1C}">
+                <a14:useLocalDpi xmlns:a14="http://schemas.microsoft.com/office/drawing/2010/main" val="0"/>
+              </a:ext>
+            </a:extLst>
+          </a:blip>
+          <a:stretch>
+            <a:fillRect/>
+          </a:stretch>
+        </p:blipFill>
+        <p:spPr>
+          <a:xfrm>
+            <a:off x="6287223" y="3794791"/>
+            <a:ext cx="2574999" cy="1751260"/>
+          </a:xfrm>
+          <a:prstGeom prst="rect">
+            <a:avLst/>
+          </a:prstGeom>
+        </p:spPr>
+      </p:pic>
+      <p:sp>
+        <p:nvSpPr>
+          <p:cNvPr id="8" name="Arrow: Left 7">
+            <a:extLst>
+              <a:ext uri="{FF2B5EF4-FFF2-40B4-BE49-F238E27FC236}">
+                <a16:creationId xmlns:a16="http://schemas.microsoft.com/office/drawing/2014/main" id="{7982A259-66FA-454E-8094-1D3864C63852}"/>
+              </a:ext>
+            </a:extLst>
+          </p:cNvPr>
+          <p:cNvSpPr/>
+          <p:nvPr/>
+        </p:nvSpPr>
+        <p:spPr>
+          <a:xfrm>
+            <a:off x="4461810" y="4136159"/>
+            <a:ext cx="978408" cy="484632"/>
+          </a:xfrm>
+          <a:prstGeom prst="leftArrow">
+            <a:avLst/>
+          </a:prstGeom>
+        </p:spPr>
+        <p:style>
+          <a:lnRef idx="2">
+            <a:schemeClr val="accent1">
+              <a:shade val="50000"/>
+            </a:schemeClr>
+          </a:lnRef>
+          <a:fillRef idx="1">
+            <a:schemeClr val="accent1"/>
+          </a:fillRef>
+          <a:effectRef idx="0">
+            <a:schemeClr val="accent1"/>
+          </a:effectRef>
+          <a:fontRef idx="minor">
+            <a:schemeClr val="lt1"/>
+          </a:fontRef>
+        </p:style>
+        <p:txBody>
+          <a:bodyPr rtlCol="0" anchor="ctr"/>
+          <a:lstStyle/>
+          <a:p>
+            <a:pPr algn="ctr"/>
+            <a:endParaRPr lang="en-US"/>
+          </a:p>
+        </p:txBody>
+      </p:sp>
+      <p:pic>
+        <p:nvPicPr>
+          <p:cNvPr id="12" name="Picture 11">
+            <a:extLst>
+              <a:ext uri="{FF2B5EF4-FFF2-40B4-BE49-F238E27FC236}">
+                <a16:creationId xmlns:a16="http://schemas.microsoft.com/office/drawing/2014/main" id="{AD9BA8E8-F30A-4B6A-8F09-35CB8765E7C5}"/>
+              </a:ext>
+            </a:extLst>
+          </p:cNvPr>
+          <p:cNvPicPr>
+            <a:picLocks noChangeAspect="1"/>
+          </p:cNvPicPr>
+          <p:nvPr/>
+        </p:nvPicPr>
+        <p:blipFill>
+          <a:blip r:embed="rId4"/>
+          <a:stretch>
+            <a:fillRect/>
+          </a:stretch>
+        </p:blipFill>
+        <p:spPr>
+          <a:xfrm>
+            <a:off x="210705" y="3794790"/>
+            <a:ext cx="3895725" cy="1751259"/>
+          </a:xfrm>
+          <a:prstGeom prst="rect">
+            <a:avLst/>
+          </a:prstGeom>
+        </p:spPr>
+      </p:pic>
+      <p:sp>
+        <p:nvSpPr>
+          <p:cNvPr id="13" name="Arrow: Right 12">
+            <a:extLst>
+              <a:ext uri="{FF2B5EF4-FFF2-40B4-BE49-F238E27FC236}">
+                <a16:creationId xmlns:a16="http://schemas.microsoft.com/office/drawing/2014/main" id="{F10B0F9B-57D3-49BD-AE50-3C5278004FFA}"/>
+              </a:ext>
+            </a:extLst>
+          </p:cNvPr>
+          <p:cNvSpPr/>
+          <p:nvPr/>
+        </p:nvSpPr>
+        <p:spPr>
+          <a:xfrm>
+            <a:off x="4537328" y="4670419"/>
+            <a:ext cx="978408" cy="484632"/>
+          </a:xfrm>
+          <a:prstGeom prst="rightArrow">
+            <a:avLst/>
+          </a:prstGeom>
+        </p:spPr>
+        <p:style>
+          <a:lnRef idx="2">
+            <a:schemeClr val="accent1">
+              <a:shade val="50000"/>
+            </a:schemeClr>
+          </a:lnRef>
+          <a:fillRef idx="1">
+            <a:schemeClr val="accent1"/>
+          </a:fillRef>
+          <a:effectRef idx="0">
+            <a:schemeClr val="accent1"/>
+          </a:effectRef>
+          <a:fontRef idx="minor">
+            <a:schemeClr val="lt1"/>
+          </a:fontRef>
+        </p:style>
+        <p:txBody>
+          <a:bodyPr rtlCol="0" anchor="ctr"/>
+          <a:lstStyle/>
+          <a:p>
+            <a:pPr algn="ctr"/>
+            <a:endParaRPr lang="en-US"/>
           </a:p>
         </p:txBody>
       </p:sp>
@@ -6195,13 +6175,13 @@
       </p:grpSpPr>
       <p:sp>
         <p:nvSpPr>
-          <p:cNvPr id="85" name="CustomShape 1"/>
+          <p:cNvPr id="89" name="CustomShape 1"/>
           <p:cNvSpPr/>
           <p:nvPr/>
         </p:nvSpPr>
         <p:spPr>
           <a:xfrm>
-            <a:off x="505800" y="1049760"/>
+            <a:off x="692640" y="301680"/>
             <a:ext cx="8691840" cy="1094040"/>
           </a:xfrm>
           <a:prstGeom prst="rect">
@@ -6230,7 +6210,7 @@
           </a:bodyPr>
           <a:lstStyle/>
           <a:p>
-            <a:pPr algn="ctr">
+            <a:pPr>
               <a:lnSpc>
                 <a:spcPct val="90000"/>
               </a:lnSpc>
@@ -6243,7 +6223,7 @@
                 <a:latin typeface="Cambria"/>
                 <a:ea typeface="Cambria"/>
               </a:rPr>
-              <a:t>Project Demo</a:t>
+              <a:t>Major Components - Flowchart</a:t>
             </a:r>
             <a:endParaRPr lang="en-US" sz="4400" b="0" strike="noStrike" spc="-1">
               <a:latin typeface="Arial"/>
@@ -6253,13 +6233,13 @@
       </p:sp>
       <p:sp>
         <p:nvSpPr>
-          <p:cNvPr id="86" name="CustomShape 2"/>
+          <p:cNvPr id="90" name="CustomShape 2"/>
           <p:cNvSpPr/>
           <p:nvPr/>
         </p:nvSpPr>
         <p:spPr>
           <a:xfrm>
-            <a:off x="505800" y="2145960"/>
+            <a:off x="1874893" y="1509120"/>
             <a:ext cx="8691840" cy="3595320"/>
           </a:xfrm>
           <a:prstGeom prst="rect">
@@ -6288,7 +6268,7 @@
           </a:bodyPr>
           <a:lstStyle/>
           <a:p>
-            <a:pPr algn="ctr">
+            <a:pPr>
               <a:lnSpc>
                 <a:spcPct val="90000"/>
               </a:lnSpc>
@@ -6296,19 +6276,684 @@
                 <a:spcPts val="1001"/>
               </a:spcBef>
             </a:pPr>
-            <a:r>
-              <a:rPr lang="en" sz="2800" b="0" strike="noStrike" spc="-1">
+            <a:endParaRPr lang="en-US" sz="1800" b="0" strike="noStrike" spc="-1">
+              <a:latin typeface="Arial"/>
+            </a:endParaRPr>
+          </a:p>
+          <a:p>
+            <a:pPr>
+              <a:lnSpc>
+                <a:spcPct val="90000"/>
+              </a:lnSpc>
+              <a:spcBef>
+                <a:spcPts val="1001"/>
+              </a:spcBef>
+            </a:pPr>
+            <a:endParaRPr lang="en-US" sz="1800" b="0" strike="noStrike" spc="-1">
+              <a:latin typeface="Arial"/>
+            </a:endParaRPr>
+          </a:p>
+          <a:p>
+            <a:pPr>
+              <a:lnSpc>
+                <a:spcPct val="90000"/>
+              </a:lnSpc>
+              <a:spcBef>
+                <a:spcPts val="1001"/>
+              </a:spcBef>
+            </a:pPr>
+            <a:endParaRPr lang="en-US" sz="1800" b="0" strike="noStrike" spc="-1">
+              <a:latin typeface="Arial"/>
+            </a:endParaRPr>
+          </a:p>
+          <a:p>
+            <a:pPr>
+              <a:lnSpc>
+                <a:spcPct val="90000"/>
+              </a:lnSpc>
+              <a:spcBef>
+                <a:spcPts val="1001"/>
+              </a:spcBef>
+            </a:pPr>
+            <a:endParaRPr lang="en-US" sz="1800" b="0" strike="noStrike" spc="-1">
+              <a:latin typeface="Arial"/>
+            </a:endParaRPr>
+          </a:p>
+          <a:p>
+            <a:pPr>
+              <a:lnSpc>
+                <a:spcPct val="90000"/>
+              </a:lnSpc>
+              <a:spcBef>
+                <a:spcPts val="1001"/>
+              </a:spcBef>
+            </a:pPr>
+            <a:endParaRPr lang="en-US" sz="1800" b="0" strike="noStrike" spc="-1">
+              <a:latin typeface="Arial"/>
+            </a:endParaRPr>
+          </a:p>
+        </p:txBody>
+      </p:sp>
+      <p:sp>
+        <p:nvSpPr>
+          <p:cNvPr id="93" name="CustomShape 5"/>
+          <p:cNvSpPr/>
+          <p:nvPr/>
+        </p:nvSpPr>
+        <p:spPr>
+          <a:xfrm>
+            <a:off x="4060974" y="1604637"/>
+            <a:ext cx="1736640" cy="1188000"/>
+          </a:xfrm>
+          <a:prstGeom prst="rect">
+            <a:avLst/>
+          </a:prstGeom>
+          <a:solidFill>
+            <a:srgbClr val="729FCF"/>
+          </a:solidFill>
+          <a:ln>
+            <a:solidFill>
+              <a:srgbClr val="3465A4"/>
+            </a:solidFill>
+          </a:ln>
+        </p:spPr>
+        <p:style>
+          <a:lnRef idx="0">
+            <a:scrgbClr r="0" g="0" b="0"/>
+          </a:lnRef>
+          <a:fillRef idx="0">
+            <a:scrgbClr r="0" g="0" b="0"/>
+          </a:fillRef>
+          <a:effectRef idx="0">
+            <a:scrgbClr r="0" g="0" b="0"/>
+          </a:effectRef>
+          <a:fontRef idx="minor"/>
+        </p:style>
+        <p:txBody>
+          <a:bodyPr wrap="none" lIns="90000" tIns="45000" rIns="90000" bIns="45000" anchor="ctr">
+            <a:noAutofit/>
+          </a:bodyPr>
+          <a:lstStyle/>
+          <a:p>
+            <a:pPr algn="ctr">
+              <a:lnSpc>
+                <a:spcPct val="100000"/>
+              </a:lnSpc>
+            </a:pPr>
+            <a:r>
+              <a:rPr lang="en" sz="1800" b="0" strike="noStrike" spc="-1" dirty="0">
                 <a:solidFill>
                   <a:srgbClr val="000000"/>
                 </a:solidFill>
-                <a:latin typeface="Candara"/>
+                <a:latin typeface="Arial"/>
                 <a:ea typeface="DejaVu Sans"/>
               </a:rPr>
-              <a:t>[If relevant]</a:t>
-            </a:r>
-            <a:endParaRPr lang="en-US" sz="2800" b="0" strike="noStrike" spc="-1">
-              <a:latin typeface="Arial"/>
-            </a:endParaRPr>
+              <a:t>Subject Class</a:t>
+            </a:r>
+            <a:endParaRPr lang="en-US" sz="1800" b="0" strike="noStrike" spc="-1" dirty="0">
+              <a:latin typeface="Arial"/>
+            </a:endParaRPr>
+          </a:p>
+        </p:txBody>
+      </p:sp>
+      <p:sp>
+        <p:nvSpPr>
+          <p:cNvPr id="8" name="CustomShape 5">
+            <a:extLst>
+              <a:ext uri="{FF2B5EF4-FFF2-40B4-BE49-F238E27FC236}">
+                <a16:creationId xmlns:a16="http://schemas.microsoft.com/office/drawing/2014/main" id="{12D25983-8C1F-4B41-B1D4-29D7E99D24E3}"/>
+              </a:ext>
+            </a:extLst>
+          </p:cNvPr>
+          <p:cNvSpPr/>
+          <p:nvPr/>
+        </p:nvSpPr>
+        <p:spPr>
+          <a:xfrm>
+            <a:off x="6751120" y="1571986"/>
+            <a:ext cx="1913690" cy="1188000"/>
+          </a:xfrm>
+          <a:prstGeom prst="rect">
+            <a:avLst/>
+          </a:prstGeom>
+          <a:solidFill>
+            <a:srgbClr val="729FCF"/>
+          </a:solidFill>
+          <a:ln>
+            <a:solidFill>
+              <a:srgbClr val="3465A4"/>
+            </a:solidFill>
+          </a:ln>
+        </p:spPr>
+        <p:style>
+          <a:lnRef idx="0">
+            <a:scrgbClr r="0" g="0" b="0"/>
+          </a:lnRef>
+          <a:fillRef idx="0">
+            <a:scrgbClr r="0" g="0" b="0"/>
+          </a:fillRef>
+          <a:effectRef idx="0">
+            <a:scrgbClr r="0" g="0" b="0"/>
+          </a:effectRef>
+          <a:fontRef idx="minor"/>
+        </p:style>
+        <p:txBody>
+          <a:bodyPr wrap="none" lIns="90000" tIns="45000" rIns="90000" bIns="45000" anchor="ctr">
+            <a:noAutofit/>
+          </a:bodyPr>
+          <a:lstStyle/>
+          <a:p>
+            <a:pPr algn="ctr">
+              <a:lnSpc>
+                <a:spcPct val="100000"/>
+              </a:lnSpc>
+            </a:pPr>
+            <a:r>
+              <a:rPr lang="en" sz="1800" b="0" strike="noStrike" spc="-1" dirty="0">
+                <a:solidFill>
+                  <a:srgbClr val="000000"/>
+                </a:solidFill>
+                <a:latin typeface="Arial"/>
+                <a:ea typeface="DejaVu Sans"/>
+              </a:rPr>
+              <a:t>Figures</a:t>
+            </a:r>
+            <a:endParaRPr lang="en-US" sz="1800" b="0" strike="noStrike" spc="-1" dirty="0">
+              <a:latin typeface="Arial"/>
+            </a:endParaRPr>
+          </a:p>
+        </p:txBody>
+      </p:sp>
+      <p:sp>
+        <p:nvSpPr>
+          <p:cNvPr id="9" name="Line 6">
+            <a:extLst>
+              <a:ext uri="{FF2B5EF4-FFF2-40B4-BE49-F238E27FC236}">
+                <a16:creationId xmlns:a16="http://schemas.microsoft.com/office/drawing/2014/main" id="{FA255F06-C198-4BFF-B798-BDAD44F7ADA6}"/>
+              </a:ext>
+            </a:extLst>
+          </p:cNvPr>
+          <p:cNvSpPr/>
+          <p:nvPr/>
+        </p:nvSpPr>
+        <p:spPr>
+          <a:xfrm flipV="1">
+            <a:off x="2867602" y="2513637"/>
+            <a:ext cx="1083463" cy="840349"/>
+          </a:xfrm>
+          <a:prstGeom prst="line">
+            <a:avLst/>
+          </a:prstGeom>
+          <a:ln>
+            <a:solidFill>
+              <a:srgbClr val="3465A4"/>
+            </a:solidFill>
+            <a:tailEnd type="triangle" w="med" len="med"/>
+          </a:ln>
+        </p:spPr>
+        <p:style>
+          <a:lnRef idx="0">
+            <a:scrgbClr r="0" g="0" b="0"/>
+          </a:lnRef>
+          <a:fillRef idx="0">
+            <a:scrgbClr r="0" g="0" b="0"/>
+          </a:fillRef>
+          <a:effectRef idx="0">
+            <a:scrgbClr r="0" g="0" b="0"/>
+          </a:effectRef>
+          <a:fontRef idx="minor"/>
+        </p:style>
+      </p:sp>
+      <p:sp>
+        <p:nvSpPr>
+          <p:cNvPr id="10" name="CustomShape 5">
+            <a:extLst>
+              <a:ext uri="{FF2B5EF4-FFF2-40B4-BE49-F238E27FC236}">
+                <a16:creationId xmlns:a16="http://schemas.microsoft.com/office/drawing/2014/main" id="{AFF3045B-3319-4721-8F04-1336455F4564}"/>
+              </a:ext>
+            </a:extLst>
+          </p:cNvPr>
+          <p:cNvSpPr/>
+          <p:nvPr/>
+        </p:nvSpPr>
+        <p:spPr>
+          <a:xfrm>
+            <a:off x="6720782" y="3306780"/>
+            <a:ext cx="1913690" cy="1061790"/>
+          </a:xfrm>
+          <a:prstGeom prst="rect">
+            <a:avLst/>
+          </a:prstGeom>
+          <a:solidFill>
+            <a:srgbClr val="729FCF"/>
+          </a:solidFill>
+          <a:ln>
+            <a:solidFill>
+              <a:srgbClr val="3465A4"/>
+            </a:solidFill>
+          </a:ln>
+        </p:spPr>
+        <p:style>
+          <a:lnRef idx="0">
+            <a:scrgbClr r="0" g="0" b="0"/>
+          </a:lnRef>
+          <a:fillRef idx="0">
+            <a:scrgbClr r="0" g="0" b="0"/>
+          </a:fillRef>
+          <a:effectRef idx="0">
+            <a:scrgbClr r="0" g="0" b="0"/>
+          </a:effectRef>
+          <a:fontRef idx="minor"/>
+        </p:style>
+        <p:txBody>
+          <a:bodyPr wrap="none" lIns="90000" tIns="45000" rIns="90000" bIns="45000" anchor="ctr">
+            <a:noAutofit/>
+          </a:bodyPr>
+          <a:lstStyle/>
+          <a:p>
+            <a:pPr algn="ctr">
+              <a:lnSpc>
+                <a:spcPct val="100000"/>
+              </a:lnSpc>
+            </a:pPr>
+            <a:r>
+              <a:rPr lang="en" spc="-1" dirty="0">
+                <a:solidFill>
+                  <a:srgbClr val="000000"/>
+                </a:solidFill>
+                <a:latin typeface="Arial"/>
+              </a:rPr>
+              <a:t>Regression </a:t>
+            </a:r>
+          </a:p>
+          <a:p>
+            <a:pPr algn="ctr">
+              <a:lnSpc>
+                <a:spcPct val="100000"/>
+              </a:lnSpc>
+            </a:pPr>
+            <a:r>
+              <a:rPr lang="en" spc="-1" dirty="0">
+                <a:solidFill>
+                  <a:srgbClr val="000000"/>
+                </a:solidFill>
+                <a:latin typeface="Arial"/>
+              </a:rPr>
+              <a:t>model</a:t>
+            </a:r>
+            <a:endParaRPr lang="en-US" sz="1800" b="0" strike="noStrike" spc="-1" dirty="0">
+              <a:latin typeface="Arial"/>
+            </a:endParaRPr>
+          </a:p>
+        </p:txBody>
+      </p:sp>
+      <p:sp>
+        <p:nvSpPr>
+          <p:cNvPr id="11" name="CustomShape 3">
+            <a:extLst>
+              <a:ext uri="{FF2B5EF4-FFF2-40B4-BE49-F238E27FC236}">
+                <a16:creationId xmlns:a16="http://schemas.microsoft.com/office/drawing/2014/main" id="{A8AC3310-960E-40F0-89EF-1086BBC57429}"/>
+              </a:ext>
+            </a:extLst>
+          </p:cNvPr>
+          <p:cNvSpPr/>
+          <p:nvPr/>
+        </p:nvSpPr>
+        <p:spPr>
+          <a:xfrm>
+            <a:off x="1102998" y="2759986"/>
+            <a:ext cx="1736640" cy="1188000"/>
+          </a:xfrm>
+          <a:prstGeom prst="rect">
+            <a:avLst/>
+          </a:prstGeom>
+          <a:solidFill>
+            <a:srgbClr val="729FCF"/>
+          </a:solidFill>
+          <a:ln>
+            <a:solidFill>
+              <a:srgbClr val="3465A4"/>
+            </a:solidFill>
+          </a:ln>
+        </p:spPr>
+        <p:style>
+          <a:lnRef idx="0">
+            <a:scrgbClr r="0" g="0" b="0"/>
+          </a:lnRef>
+          <a:fillRef idx="0">
+            <a:scrgbClr r="0" g="0" b="0"/>
+          </a:fillRef>
+          <a:effectRef idx="0">
+            <a:scrgbClr r="0" g="0" b="0"/>
+          </a:effectRef>
+          <a:fontRef idx="minor"/>
+        </p:style>
+        <p:txBody>
+          <a:bodyPr wrap="none" lIns="90000" tIns="45000" rIns="90000" bIns="45000" anchor="ctr">
+            <a:noAutofit/>
+          </a:bodyPr>
+          <a:lstStyle/>
+          <a:p>
+            <a:pPr algn="ctr">
+              <a:lnSpc>
+                <a:spcPct val="100000"/>
+              </a:lnSpc>
+            </a:pPr>
+            <a:r>
+              <a:rPr lang="en" sz="1800" b="0" strike="noStrike" spc="-1" dirty="0">
+                <a:solidFill>
+                  <a:srgbClr val="000000"/>
+                </a:solidFill>
+                <a:latin typeface="Arial"/>
+                <a:ea typeface="DejaVu Sans"/>
+              </a:rPr>
+              <a:t>Database</a:t>
+            </a:r>
+            <a:endParaRPr lang="en-US" sz="1800" b="0" strike="noStrike" spc="-1" dirty="0">
+              <a:latin typeface="Arial"/>
+            </a:endParaRPr>
+          </a:p>
+        </p:txBody>
+      </p:sp>
+      <p:sp>
+        <p:nvSpPr>
+          <p:cNvPr id="13" name="CustomShape 5">
+            <a:extLst>
+              <a:ext uri="{FF2B5EF4-FFF2-40B4-BE49-F238E27FC236}">
+                <a16:creationId xmlns:a16="http://schemas.microsoft.com/office/drawing/2014/main" id="{52133FB1-F1DB-4482-9FBE-E198B06027B5}"/>
+              </a:ext>
+            </a:extLst>
+          </p:cNvPr>
+          <p:cNvSpPr/>
+          <p:nvPr/>
+        </p:nvSpPr>
+        <p:spPr>
+          <a:xfrm>
+            <a:off x="6751120" y="4499573"/>
+            <a:ext cx="1913690" cy="1061790"/>
+          </a:xfrm>
+          <a:prstGeom prst="rect">
+            <a:avLst/>
+          </a:prstGeom>
+          <a:solidFill>
+            <a:srgbClr val="729FCF"/>
+          </a:solidFill>
+          <a:ln>
+            <a:solidFill>
+              <a:srgbClr val="3465A4"/>
+            </a:solidFill>
+          </a:ln>
+        </p:spPr>
+        <p:style>
+          <a:lnRef idx="0">
+            <a:scrgbClr r="0" g="0" b="0"/>
+          </a:lnRef>
+          <a:fillRef idx="0">
+            <a:scrgbClr r="0" g="0" b="0"/>
+          </a:fillRef>
+          <a:effectRef idx="0">
+            <a:scrgbClr r="0" g="0" b="0"/>
+          </a:effectRef>
+          <a:fontRef idx="minor"/>
+        </p:style>
+        <p:txBody>
+          <a:bodyPr wrap="none" lIns="90000" tIns="45000" rIns="90000" bIns="45000" anchor="ctr">
+            <a:noAutofit/>
+          </a:bodyPr>
+          <a:lstStyle/>
+          <a:p>
+            <a:pPr algn="ctr">
+              <a:lnSpc>
+                <a:spcPct val="100000"/>
+              </a:lnSpc>
+            </a:pPr>
+            <a:r>
+              <a:rPr lang="en" spc="-1" dirty="0">
+                <a:solidFill>
+                  <a:srgbClr val="000000"/>
+                </a:solidFill>
+                <a:latin typeface="Arial"/>
+              </a:rPr>
+              <a:t>Correlations</a:t>
+            </a:r>
+            <a:endParaRPr lang="en-US" sz="1800" b="0" strike="noStrike" spc="-1" dirty="0">
+              <a:latin typeface="Arial"/>
+            </a:endParaRPr>
+          </a:p>
+        </p:txBody>
+      </p:sp>
+      <p:sp>
+        <p:nvSpPr>
+          <p:cNvPr id="14" name="Line 6">
+            <a:extLst>
+              <a:ext uri="{FF2B5EF4-FFF2-40B4-BE49-F238E27FC236}">
+                <a16:creationId xmlns:a16="http://schemas.microsoft.com/office/drawing/2014/main" id="{D30D2CC6-A13F-4F10-B588-0DD0D236EE2D}"/>
+              </a:ext>
+            </a:extLst>
+          </p:cNvPr>
+          <p:cNvSpPr/>
+          <p:nvPr/>
+        </p:nvSpPr>
+        <p:spPr>
+          <a:xfrm>
+            <a:off x="5822650" y="2207821"/>
+            <a:ext cx="828138" cy="8906"/>
+          </a:xfrm>
+          <a:prstGeom prst="line">
+            <a:avLst/>
+          </a:prstGeom>
+          <a:ln>
+            <a:solidFill>
+              <a:srgbClr val="3465A4"/>
+            </a:solidFill>
+            <a:tailEnd type="triangle" w="med" len="med"/>
+          </a:ln>
+        </p:spPr>
+        <p:style>
+          <a:lnRef idx="0">
+            <a:scrgbClr r="0" g="0" b="0"/>
+          </a:lnRef>
+          <a:fillRef idx="0">
+            <a:scrgbClr r="0" g="0" b="0"/>
+          </a:fillRef>
+          <a:effectRef idx="0">
+            <a:scrgbClr r="0" g="0" b="0"/>
+          </a:effectRef>
+          <a:fontRef idx="minor"/>
+        </p:style>
+      </p:sp>
+      <p:sp>
+        <p:nvSpPr>
+          <p:cNvPr id="16" name="CustomShape 5">
+            <a:extLst>
+              <a:ext uri="{FF2B5EF4-FFF2-40B4-BE49-F238E27FC236}">
+                <a16:creationId xmlns:a16="http://schemas.microsoft.com/office/drawing/2014/main" id="{FE1CFF96-4FEE-42C2-ADDD-BFD686638F00}"/>
+              </a:ext>
+            </a:extLst>
+          </p:cNvPr>
+          <p:cNvSpPr/>
+          <p:nvPr/>
+        </p:nvSpPr>
+        <p:spPr>
+          <a:xfrm>
+            <a:off x="4008342" y="3905573"/>
+            <a:ext cx="1848698" cy="1188000"/>
+          </a:xfrm>
+          <a:prstGeom prst="rect">
+            <a:avLst/>
+          </a:prstGeom>
+          <a:solidFill>
+            <a:srgbClr val="729FCF"/>
+          </a:solidFill>
+          <a:ln>
+            <a:solidFill>
+              <a:srgbClr val="3465A4"/>
+            </a:solidFill>
+          </a:ln>
+        </p:spPr>
+        <p:style>
+          <a:lnRef idx="0">
+            <a:scrgbClr r="0" g="0" b="0"/>
+          </a:lnRef>
+          <a:fillRef idx="0">
+            <a:scrgbClr r="0" g="0" b="0"/>
+          </a:fillRef>
+          <a:effectRef idx="0">
+            <a:scrgbClr r="0" g="0" b="0"/>
+          </a:effectRef>
+          <a:fontRef idx="minor"/>
+        </p:style>
+        <p:txBody>
+          <a:bodyPr wrap="none" lIns="90000" tIns="45000" rIns="90000" bIns="45000" anchor="ctr">
+            <a:noAutofit/>
+          </a:bodyPr>
+          <a:lstStyle/>
+          <a:p>
+            <a:pPr algn="ctr">
+              <a:lnSpc>
+                <a:spcPct val="100000"/>
+              </a:lnSpc>
+            </a:pPr>
+            <a:r>
+              <a:rPr lang="en" sz="1800" b="0" strike="noStrike" spc="-1" dirty="0">
+                <a:solidFill>
+                  <a:srgbClr val="000000"/>
+                </a:solidFill>
+                <a:latin typeface="Arial"/>
+                <a:ea typeface="DejaVu Sans"/>
+              </a:rPr>
+              <a:t>Statistics</a:t>
+            </a:r>
+            <a:endParaRPr lang="en-US" sz="1800" b="0" strike="noStrike" spc="-1" dirty="0">
+              <a:latin typeface="Arial"/>
+            </a:endParaRPr>
+          </a:p>
+        </p:txBody>
+      </p:sp>
+      <p:sp>
+        <p:nvSpPr>
+          <p:cNvPr id="17" name="Line 6">
+            <a:extLst>
+              <a:ext uri="{FF2B5EF4-FFF2-40B4-BE49-F238E27FC236}">
+                <a16:creationId xmlns:a16="http://schemas.microsoft.com/office/drawing/2014/main" id="{3F30782F-4CE9-43DD-ABC5-924542D2DCD9}"/>
+              </a:ext>
+            </a:extLst>
+          </p:cNvPr>
+          <p:cNvSpPr/>
+          <p:nvPr/>
+        </p:nvSpPr>
+        <p:spPr>
+          <a:xfrm>
+            <a:off x="2860654" y="3364053"/>
+            <a:ext cx="998378" cy="1004517"/>
+          </a:xfrm>
+          <a:prstGeom prst="line">
+            <a:avLst/>
+          </a:prstGeom>
+          <a:ln>
+            <a:solidFill>
+              <a:srgbClr val="3465A4"/>
+            </a:solidFill>
+            <a:tailEnd type="triangle" w="med" len="med"/>
+          </a:ln>
+        </p:spPr>
+        <p:style>
+          <a:lnRef idx="0">
+            <a:scrgbClr r="0" g="0" b="0"/>
+          </a:lnRef>
+          <a:fillRef idx="0">
+            <a:scrgbClr r="0" g="0" b="0"/>
+          </a:fillRef>
+          <a:effectRef idx="0">
+            <a:scrgbClr r="0" g="0" b="0"/>
+          </a:effectRef>
+          <a:fontRef idx="minor"/>
+        </p:style>
+      </p:sp>
+      <p:sp>
+        <p:nvSpPr>
+          <p:cNvPr id="18" name="Line 6">
+            <a:extLst>
+              <a:ext uri="{FF2B5EF4-FFF2-40B4-BE49-F238E27FC236}">
+                <a16:creationId xmlns:a16="http://schemas.microsoft.com/office/drawing/2014/main" id="{3D5FF5BF-5773-43A2-A0E4-4F92C7A81227}"/>
+              </a:ext>
+            </a:extLst>
+          </p:cNvPr>
+          <p:cNvSpPr/>
+          <p:nvPr/>
+        </p:nvSpPr>
+        <p:spPr>
+          <a:xfrm flipV="1">
+            <a:off x="5895717" y="4078702"/>
+            <a:ext cx="755071" cy="477570"/>
+          </a:xfrm>
+          <a:prstGeom prst="line">
+            <a:avLst/>
+          </a:prstGeom>
+          <a:ln>
+            <a:solidFill>
+              <a:srgbClr val="3465A4"/>
+            </a:solidFill>
+            <a:tailEnd type="triangle" w="med" len="med"/>
+          </a:ln>
+        </p:spPr>
+        <p:style>
+          <a:lnRef idx="0">
+            <a:scrgbClr r="0" g="0" b="0"/>
+          </a:lnRef>
+          <a:fillRef idx="0">
+            <a:scrgbClr r="0" g="0" b="0"/>
+          </a:fillRef>
+          <a:effectRef idx="0">
+            <a:scrgbClr r="0" g="0" b="0"/>
+          </a:effectRef>
+          <a:fontRef idx="minor"/>
+        </p:style>
+      </p:sp>
+      <p:sp>
+        <p:nvSpPr>
+          <p:cNvPr id="19" name="Line 6">
+            <a:extLst>
+              <a:ext uri="{FF2B5EF4-FFF2-40B4-BE49-F238E27FC236}">
+                <a16:creationId xmlns:a16="http://schemas.microsoft.com/office/drawing/2014/main" id="{E6502E88-AF56-4EF3-A142-43AC151C4516}"/>
+              </a:ext>
+            </a:extLst>
+          </p:cNvPr>
+          <p:cNvSpPr/>
+          <p:nvPr/>
+        </p:nvSpPr>
+        <p:spPr>
+          <a:xfrm>
+            <a:off x="5895717" y="4556272"/>
+            <a:ext cx="755071" cy="477569"/>
+          </a:xfrm>
+          <a:prstGeom prst="line">
+            <a:avLst/>
+          </a:prstGeom>
+          <a:ln>
+            <a:solidFill>
+              <a:srgbClr val="3465A4"/>
+            </a:solidFill>
+            <a:tailEnd type="triangle" w="med" len="med"/>
+          </a:ln>
+        </p:spPr>
+        <p:style>
+          <a:lnRef idx="0">
+            <a:scrgbClr r="0" g="0" b="0"/>
+          </a:lnRef>
+          <a:fillRef idx="0">
+            <a:scrgbClr r="0" g="0" b="0"/>
+          </a:fillRef>
+          <a:effectRef idx="0">
+            <a:scrgbClr r="0" g="0" b="0"/>
+          </a:effectRef>
+          <a:fontRef idx="minor"/>
+        </p:style>
+        <p:txBody>
+          <a:bodyPr/>
+          <a:lstStyle/>
+          <a:p>
+            <a:endParaRPr lang="en-US" dirty="0"/>
           </a:p>
         </p:txBody>
       </p:sp>
@@ -6339,7 +6984,148 @@
       </p:grpSpPr>
       <p:sp>
         <p:nvSpPr>
-          <p:cNvPr id="87" name="CustomShape 1"/>
+          <p:cNvPr id="2" name="Title 1">
+            <a:extLst>
+              <a:ext uri="{FF2B5EF4-FFF2-40B4-BE49-F238E27FC236}">
+                <a16:creationId xmlns:a16="http://schemas.microsoft.com/office/drawing/2014/main" id="{32766FC0-E901-450D-AC7B-429EFA42E158}"/>
+              </a:ext>
+            </a:extLst>
+          </p:cNvPr>
+          <p:cNvSpPr>
+            <a:spLocks noGrp="1"/>
+          </p:cNvSpPr>
+          <p:nvPr>
+            <p:ph type="title"/>
+          </p:nvPr>
+        </p:nvSpPr>
+        <p:spPr/>
+        <p:txBody>
+          <a:bodyPr/>
+          <a:lstStyle/>
+          <a:p>
+            <a:r>
+              <a:rPr lang="en-US" dirty="0" err="1"/>
+              <a:t>Yasa</a:t>
+            </a:r>
+            <a:r>
+              <a:rPr lang="en-US" dirty="0"/>
+              <a:t> measurements</a:t>
+            </a:r>
+          </a:p>
+        </p:txBody>
+      </p:sp>
+      <p:sp>
+        <p:nvSpPr>
+          <p:cNvPr id="3" name="Subtitle 2">
+            <a:extLst>
+              <a:ext uri="{FF2B5EF4-FFF2-40B4-BE49-F238E27FC236}">
+                <a16:creationId xmlns:a16="http://schemas.microsoft.com/office/drawing/2014/main" id="{ABC37C80-0B13-40D8-9A87-F6D20B937937}"/>
+              </a:ext>
+            </a:extLst>
+          </p:cNvPr>
+          <p:cNvSpPr>
+            <a:spLocks noGrp="1"/>
+          </p:cNvSpPr>
+          <p:nvPr>
+            <p:ph type="subTitle"/>
+          </p:nvPr>
+        </p:nvSpPr>
+        <p:spPr>
+          <a:xfrm>
+            <a:off x="212312" y="1326600"/>
+            <a:ext cx="9656000" cy="4117870"/>
+          </a:xfrm>
+        </p:spPr>
+        <p:txBody>
+          <a:bodyPr/>
+          <a:lstStyle/>
+          <a:p>
+            <a:pPr marL="0" indent="0">
+              <a:buNone/>
+            </a:pPr>
+            <a:r>
+              <a:rPr lang="en-US" b="1" dirty="0"/>
+              <a:t>Sleep Period Time (SPT): </a:t>
+            </a:r>
+            <a:r>
+              <a:rPr lang="en-US" dirty="0"/>
+              <a:t>duration from first to last period of sleep</a:t>
+            </a:r>
+          </a:p>
+          <a:p>
+            <a:pPr marL="0" indent="0">
+              <a:buNone/>
+            </a:pPr>
+            <a:r>
+              <a:rPr lang="en-US" b="1" dirty="0"/>
+              <a:t>Wake After Sleep Onset (WASO): </a:t>
+            </a:r>
+            <a:r>
+              <a:rPr lang="en-US" dirty="0"/>
+              <a:t>duration of wake periods within SPT</a:t>
+            </a:r>
+          </a:p>
+          <a:p>
+            <a:pPr marL="0" indent="0">
+              <a:buNone/>
+            </a:pPr>
+            <a:r>
+              <a:rPr lang="en-US" b="1" dirty="0"/>
+              <a:t>Total Sleep Time (TST): </a:t>
+            </a:r>
+            <a:r>
+              <a:rPr lang="en-US" dirty="0"/>
+              <a:t>SPT – WASO</a:t>
+            </a:r>
+          </a:p>
+          <a:p>
+            <a:pPr marL="0" indent="0">
+              <a:buNone/>
+            </a:pPr>
+            <a:r>
+              <a:rPr lang="en-US" b="1" dirty="0"/>
+              <a:t>Sleep Maintenance Efficiency (SME): </a:t>
+            </a:r>
+            <a:r>
+              <a:rPr lang="en-US" dirty="0"/>
+              <a:t>TST / SPT * 100 (%)</a:t>
+            </a:r>
+          </a:p>
+        </p:txBody>
+      </p:sp>
+    </p:spTree>
+    <p:extLst>
+      <p:ext uri="{BB962C8B-B14F-4D97-AF65-F5344CB8AC3E}">
+        <p14:creationId xmlns:p14="http://schemas.microsoft.com/office/powerpoint/2010/main" val="2558523832"/>
+      </p:ext>
+    </p:extLst>
+  </p:cSld>
+  <p:clrMapOvr>
+    <a:masterClrMapping/>
+  </p:clrMapOvr>
+</p:sld>
+</file>
+
+<file path=ppt/slides/slide5.xml><?xml version="1.0" encoding="utf-8"?>
+<p:sld xmlns:a="http://schemas.openxmlformats.org/drawingml/2006/main" xmlns:r="http://schemas.openxmlformats.org/officeDocument/2006/relationships" xmlns:p="http://schemas.openxmlformats.org/presentationml/2006/main">
+  <p:cSld>
+    <p:spTree>
+      <p:nvGrpSpPr>
+        <p:cNvPr id="1" name=""/>
+        <p:cNvGrpSpPr/>
+        <p:nvPr/>
+      </p:nvGrpSpPr>
+      <p:grpSpPr>
+        <a:xfrm>
+          <a:off x="0" y="0"/>
+          <a:ext cx="0" cy="0"/>
+          <a:chOff x="0" y="0"/>
+          <a:chExt cx="0" cy="0"/>
+        </a:xfrm>
+      </p:grpSpPr>
+      <p:sp>
+        <p:nvSpPr>
+          <p:cNvPr id="100" name="CustomShape 1"/>
           <p:cNvSpPr/>
           <p:nvPr/>
         </p:nvSpPr>
@@ -6387,7 +7173,7 @@
                 <a:latin typeface="Cambria"/>
                 <a:ea typeface="Cambria"/>
               </a:rPr>
-              <a:t>Major Components</a:t>
+              <a:t>Main Challenges and Difficulties</a:t>
             </a:r>
             <a:endParaRPr lang="en-US" sz="4400" b="0" strike="noStrike" spc="-1">
               <a:latin typeface="Arial"/>
@@ -6397,14 +7183,14 @@
       </p:sp>
       <p:sp>
         <p:nvSpPr>
-          <p:cNvPr id="88" name="CustomShape 2"/>
+          <p:cNvPr id="101" name="CustomShape 2"/>
           <p:cNvSpPr/>
           <p:nvPr/>
         </p:nvSpPr>
         <p:spPr>
           <a:xfrm>
-            <a:off x="692640" y="1161984"/>
-            <a:ext cx="8691840" cy="4508566"/>
+            <a:off x="692640" y="1509120"/>
+            <a:ext cx="8691840" cy="3595320"/>
           </a:xfrm>
           <a:prstGeom prst="rect">
             <a:avLst/>
@@ -6432,6 +7218,194 @@
           </a:bodyPr>
           <a:lstStyle/>
           <a:p>
+            <a:pPr marL="228600" indent="-226440">
+              <a:lnSpc>
+                <a:spcPct val="90000"/>
+              </a:lnSpc>
+              <a:spcBef>
+                <a:spcPts val="1001"/>
+              </a:spcBef>
+              <a:buClr>
+                <a:srgbClr val="000000"/>
+              </a:buClr>
+              <a:buFont typeface="Arial"/>
+              <a:buChar char="•"/>
+            </a:pPr>
+            <a:r>
+              <a:rPr lang="en" sz="2800" b="0" strike="noStrike" spc="-1" dirty="0">
+                <a:solidFill>
+                  <a:srgbClr val="000000"/>
+                </a:solidFill>
+                <a:latin typeface="Candara"/>
+              </a:rPr>
+              <a:t>Creating time stamps was a chall</a:t>
+            </a:r>
+            <a:r>
+              <a:rPr lang="en-US" sz="2800" b="0" strike="noStrike" spc="-1" dirty="0">
+                <a:solidFill>
+                  <a:srgbClr val="000000"/>
+                </a:solidFill>
+                <a:latin typeface="Candara"/>
+              </a:rPr>
+              <a:t>e</a:t>
+            </a:r>
+            <a:r>
+              <a:rPr lang="en" sz="2800" b="0" strike="noStrike" spc="-1" dirty="0">
+                <a:solidFill>
+                  <a:srgbClr val="000000"/>
+                </a:solidFill>
+                <a:latin typeface="Candara"/>
+              </a:rPr>
+              <a:t>nge</a:t>
+            </a:r>
+          </a:p>
+          <a:p>
+            <a:pPr marL="685800" lvl="1" indent="-226440">
+              <a:lnSpc>
+                <a:spcPct val="90000"/>
+              </a:lnSpc>
+              <a:spcBef>
+                <a:spcPts val="1001"/>
+              </a:spcBef>
+              <a:buClr>
+                <a:srgbClr val="000000"/>
+              </a:buClr>
+              <a:buFont typeface="Arial"/>
+              <a:buChar char="•"/>
+            </a:pPr>
+            <a:r>
+              <a:rPr lang="en" sz="2800" spc="-1" dirty="0">
+                <a:solidFill>
+                  <a:srgbClr val="000000"/>
+                </a:solidFill>
+                <a:latin typeface="Candara"/>
+              </a:rPr>
+              <a:t>We had trouble downloading ‘action_4’ software.</a:t>
+            </a:r>
+          </a:p>
+          <a:p>
+            <a:pPr marL="228600" indent="-226440">
+              <a:lnSpc>
+                <a:spcPct val="90000"/>
+              </a:lnSpc>
+              <a:spcBef>
+                <a:spcPts val="1001"/>
+              </a:spcBef>
+              <a:buClr>
+                <a:srgbClr val="000000"/>
+              </a:buClr>
+              <a:buFont typeface="Arial"/>
+              <a:buChar char="•"/>
+            </a:pPr>
+            <a:r>
+              <a:rPr lang="en" sz="2800" b="0" strike="noStrike" spc="-1" dirty="0">
+                <a:solidFill>
+                  <a:srgbClr val="000000"/>
+                </a:solidFill>
+                <a:latin typeface="Candara"/>
+              </a:rPr>
+              <a:t>D</a:t>
+            </a:r>
+            <a:r>
+              <a:rPr lang="en-US" sz="2800" b="0" strike="noStrike" spc="-1" dirty="0" err="1">
+                <a:solidFill>
+                  <a:srgbClr val="000000"/>
+                </a:solidFill>
+                <a:latin typeface="Candara"/>
+              </a:rPr>
+              <a:t>ata</a:t>
+            </a:r>
+            <a:r>
+              <a:rPr lang="en-US" sz="2800" b="0" strike="noStrike" spc="-1" dirty="0">
+                <a:solidFill>
+                  <a:srgbClr val="000000"/>
+                </a:solidFill>
+                <a:latin typeface="Candara"/>
+              </a:rPr>
+              <a:t> was not uniform</a:t>
+            </a:r>
+          </a:p>
+          <a:p>
+            <a:pPr marL="228600" indent="-226440">
+              <a:lnSpc>
+                <a:spcPct val="90000"/>
+              </a:lnSpc>
+              <a:spcBef>
+                <a:spcPts val="1001"/>
+              </a:spcBef>
+              <a:buClr>
+                <a:srgbClr val="000000"/>
+              </a:buClr>
+              <a:buFont typeface="Arial"/>
+              <a:buChar char="•"/>
+            </a:pPr>
+            <a:r>
+              <a:rPr lang="en" sz="2800" spc="-1" dirty="0">
+                <a:solidFill>
+                  <a:srgbClr val="000000"/>
+                </a:solidFill>
+                <a:latin typeface="Candara"/>
+              </a:rPr>
+              <a:t>Epoching the nights turned out to be a hassle.</a:t>
+            </a:r>
+          </a:p>
+          <a:p>
+            <a:pPr marL="2160">
+              <a:lnSpc>
+                <a:spcPct val="90000"/>
+              </a:lnSpc>
+              <a:spcBef>
+                <a:spcPts val="1001"/>
+              </a:spcBef>
+              <a:buClr>
+                <a:srgbClr val="000000"/>
+              </a:buClr>
+            </a:pPr>
+            <a:r>
+              <a:rPr lang="en-US" sz="2800" spc="-1" dirty="0">
+                <a:solidFill>
+                  <a:srgbClr val="000000"/>
+                </a:solidFill>
+                <a:latin typeface="Candara"/>
+              </a:rPr>
+              <a:t>Finally,</a:t>
+            </a:r>
+            <a:r>
+              <a:rPr lang="en" sz="2800" spc="-1" dirty="0">
+                <a:solidFill>
+                  <a:srgbClr val="000000"/>
+                </a:solidFill>
+                <a:latin typeface="Candara"/>
+              </a:rPr>
+              <a:t> we decided to epoch it by hours and then cut off the wake time from each file. </a:t>
+            </a:r>
+          </a:p>
+          <a:p>
+            <a:pPr marL="2160">
+              <a:lnSpc>
+                <a:spcPct val="90000"/>
+              </a:lnSpc>
+              <a:spcBef>
+                <a:spcPts val="1001"/>
+              </a:spcBef>
+              <a:buClr>
+                <a:srgbClr val="000000"/>
+              </a:buClr>
+            </a:pPr>
+            <a:r>
+              <a:rPr lang="en" sz="2800" b="0" strike="noStrike" spc="-1" dirty="0">
+                <a:solidFill>
+                  <a:srgbClr val="000000"/>
+                </a:solidFill>
+                <a:latin typeface="Candara"/>
+              </a:rPr>
+              <a:t> </a:t>
+            </a:r>
+            <a:endParaRPr lang="en-US" sz="2800" b="0" strike="noStrike" spc="-1" dirty="0">
+              <a:latin typeface="Arial"/>
+            </a:endParaRPr>
+          </a:p>
+          <a:p>
             <a:pPr>
               <a:lnSpc>
                 <a:spcPct val="90000"/>
@@ -6440,28 +7414,7 @@
                 <a:spcPts val="1001"/>
               </a:spcBef>
             </a:pPr>
-            <a:r>
-              <a:rPr lang="en" sz="2000" b="0" u="sng" strike="noStrike" spc="-1" dirty="0">
-                <a:solidFill>
-                  <a:srgbClr val="000000"/>
-                </a:solidFill>
-                <a:uFillTx/>
-                <a:latin typeface="Candara"/>
-                <a:ea typeface="DejaVu Sans"/>
-              </a:rPr>
-              <a:t>Component 1</a:t>
-            </a:r>
-            <a:r>
-              <a:rPr lang="en" sz="2000" b="0" strike="noStrike" spc="-1" dirty="0">
-                <a:solidFill>
-                  <a:srgbClr val="000000"/>
-                </a:solidFill>
-                <a:latin typeface="Candara"/>
-                <a:ea typeface="DejaVu Sans"/>
-              </a:rPr>
-              <a:t>: Database – The database handles the actigraph &amp; EEG data for each subject for each night.</a:t>
-            </a:r>
-            <a:endParaRPr lang="en-US" sz="2000" b="0" strike="noStrike" spc="-1" dirty="0">
+            <a:endParaRPr lang="en-US" sz="2800" b="0" strike="noStrike" spc="-1" dirty="0">
               <a:latin typeface="Arial"/>
             </a:endParaRPr>
           </a:p>
@@ -6474,302 +7427,7 @@
                 <a:spcPts val="1001"/>
               </a:spcBef>
             </a:pPr>
-            <a:endParaRPr lang="en-US" sz="2000" b="0" strike="noStrike" spc="-1" dirty="0">
-              <a:latin typeface="Arial"/>
-            </a:endParaRPr>
-          </a:p>
-          <a:p>
-            <a:pPr>
-              <a:lnSpc>
-                <a:spcPct val="90000"/>
-              </a:lnSpc>
-              <a:spcBef>
-                <a:spcPts val="1001"/>
-              </a:spcBef>
-            </a:pPr>
-            <a:r>
-              <a:rPr lang="en" sz="2000" b="0" u="sng" strike="noStrike" spc="-1" dirty="0">
-                <a:solidFill>
-                  <a:srgbClr val="000000"/>
-                </a:solidFill>
-                <a:uFillTx/>
-                <a:latin typeface="Candara"/>
-                <a:ea typeface="DejaVu Sans"/>
-              </a:rPr>
-              <a:t>Component 2</a:t>
-            </a:r>
-            <a:r>
-              <a:rPr lang="en" sz="2000" b="0" strike="noStrike" spc="-1" dirty="0">
-                <a:solidFill>
-                  <a:srgbClr val="000000"/>
-                </a:solidFill>
-                <a:latin typeface="Candara"/>
-                <a:ea typeface="DejaVu Sans"/>
-              </a:rPr>
-              <a:t>: Class and Methods – The class allows the user to load each participant and access immmmedietly </a:t>
-            </a:r>
-            <a:r>
-              <a:rPr lang="en-US" sz="2000" b="0" strike="noStrike" spc="-1" dirty="0">
-                <a:solidFill>
-                  <a:srgbClr val="000000"/>
-                </a:solidFill>
-                <a:latin typeface="Candara"/>
-                <a:ea typeface="DejaVu Sans"/>
-              </a:rPr>
-              <a:t>all</a:t>
-            </a:r>
-            <a:r>
-              <a:rPr lang="en" sz="2000" b="0" strike="noStrike" spc="-1" dirty="0">
-                <a:solidFill>
-                  <a:srgbClr val="000000"/>
-                </a:solidFill>
-                <a:latin typeface="Candara"/>
-                <a:ea typeface="DejaVu Sans"/>
-              </a:rPr>
-              <a:t> his relevant data and calaulate for him sleep parameters.</a:t>
-            </a:r>
-            <a:endParaRPr lang="en-US" sz="2000" b="0" strike="noStrike" spc="-1" dirty="0">
-              <a:latin typeface="Arial"/>
-            </a:endParaRPr>
-          </a:p>
-          <a:p>
-            <a:pPr>
-              <a:lnSpc>
-                <a:spcPct val="90000"/>
-              </a:lnSpc>
-              <a:spcBef>
-                <a:spcPts val="1001"/>
-              </a:spcBef>
-            </a:pPr>
-            <a:endParaRPr lang="en-US" sz="2000" b="0" strike="noStrike" spc="-1" dirty="0">
-              <a:latin typeface="Arial"/>
-            </a:endParaRPr>
-          </a:p>
-          <a:p>
-            <a:pPr>
-              <a:lnSpc>
-                <a:spcPct val="90000"/>
-              </a:lnSpc>
-              <a:spcBef>
-                <a:spcPts val="1001"/>
-              </a:spcBef>
-            </a:pPr>
-            <a:r>
-              <a:rPr lang="en" sz="2000" b="0" u="sng" strike="noStrike" spc="-1" dirty="0">
-                <a:solidFill>
-                  <a:srgbClr val="000000"/>
-                </a:solidFill>
-                <a:uFillTx/>
-                <a:latin typeface="Candara"/>
-                <a:ea typeface="DejaVu Sans"/>
-              </a:rPr>
-              <a:t>Component 3</a:t>
-            </a:r>
-            <a:r>
-              <a:rPr lang="en" sz="2000" b="0" strike="noStrike" spc="-1" dirty="0">
-                <a:solidFill>
-                  <a:srgbClr val="000000"/>
-                </a:solidFill>
-                <a:latin typeface="Candara"/>
-                <a:ea typeface="DejaVu Sans"/>
-              </a:rPr>
-              <a:t>: </a:t>
-            </a:r>
-            <a:r>
-              <a:rPr lang="en" sz="2000" spc="-1" dirty="0">
-                <a:solidFill>
-                  <a:srgbClr val="000000"/>
-                </a:solidFill>
-                <a:latin typeface="Candara"/>
-                <a:ea typeface="DejaVu Sans"/>
-              </a:rPr>
-              <a:t>Fi</a:t>
-            </a:r>
-            <a:r>
-              <a:rPr lang="en" sz="2000" b="0" strike="noStrike" spc="-1" dirty="0">
-                <a:solidFill>
-                  <a:srgbClr val="000000"/>
-                </a:solidFill>
-                <a:latin typeface="Candara"/>
-                <a:ea typeface="DejaVu Sans"/>
-              </a:rPr>
-              <a:t>gures – The Figures allows the user to visualize each subject’s night data and assess it.</a:t>
-            </a:r>
-            <a:endParaRPr lang="he-IL" sz="2000" b="0" strike="noStrike" spc="-1" dirty="0">
-              <a:solidFill>
-                <a:srgbClr val="000000"/>
-              </a:solidFill>
-              <a:latin typeface="Candara"/>
-              <a:ea typeface="DejaVu Sans"/>
-            </a:endParaRPr>
-          </a:p>
-          <a:p>
-            <a:pPr>
-              <a:lnSpc>
-                <a:spcPct val="90000"/>
-              </a:lnSpc>
-              <a:spcBef>
-                <a:spcPts val="1001"/>
-              </a:spcBef>
-            </a:pPr>
-            <a:endParaRPr lang="en-US" sz="2000" b="0" strike="noStrike" spc="-1" dirty="0">
-              <a:latin typeface="Arial"/>
-            </a:endParaRPr>
-          </a:p>
-          <a:p>
-            <a:pPr>
-              <a:lnSpc>
-                <a:spcPct val="90000"/>
-              </a:lnSpc>
-              <a:spcBef>
-                <a:spcPts val="1001"/>
-              </a:spcBef>
-            </a:pPr>
-            <a:r>
-              <a:rPr lang="en" sz="2000" b="0" u="sng" strike="noStrike" spc="-1" dirty="0">
-                <a:solidFill>
-                  <a:srgbClr val="000000"/>
-                </a:solidFill>
-                <a:uFillTx/>
-                <a:latin typeface="Candara"/>
-                <a:ea typeface="DejaVu Sans"/>
-              </a:rPr>
-              <a:t>Component</a:t>
-            </a:r>
-            <a:r>
-              <a:rPr lang="en-US" sz="2000" u="sng" spc="-1" dirty="0">
-                <a:solidFill>
-                  <a:srgbClr val="000000"/>
-                </a:solidFill>
-                <a:latin typeface="Candara"/>
-                <a:ea typeface="DejaVu Sans"/>
-              </a:rPr>
-              <a:t> 4:</a:t>
-            </a:r>
-            <a:r>
-              <a:rPr lang="en" sz="2000" b="0" strike="noStrike" spc="-1" dirty="0">
-                <a:solidFill>
-                  <a:srgbClr val="000000"/>
-                </a:solidFill>
-                <a:latin typeface="Candara"/>
-                <a:ea typeface="DejaVu Sans"/>
-              </a:rPr>
-              <a:t> Regression model – </a:t>
-            </a:r>
-            <a:r>
-              <a:rPr lang="en-US" sz="2000" b="0" strike="noStrike" spc="-1" dirty="0">
-                <a:solidFill>
-                  <a:srgbClr val="000000"/>
-                </a:solidFill>
-                <a:latin typeface="Candara"/>
-                <a:ea typeface="DejaVu Sans"/>
-              </a:rPr>
-              <a:t>To examine how well actigraphy data predicts EEG data regarding sleep quality</a:t>
-            </a:r>
-            <a:r>
-              <a:rPr lang="en" sz="2000" b="0" strike="noStrike" spc="-1" dirty="0">
-                <a:solidFill>
-                  <a:srgbClr val="000000"/>
-                </a:solidFill>
-                <a:latin typeface="Candara"/>
-                <a:ea typeface="DejaVu Sans"/>
-              </a:rPr>
-              <a:t>.</a:t>
-            </a:r>
-          </a:p>
-          <a:p>
-            <a:pPr>
-              <a:lnSpc>
-                <a:spcPct val="90000"/>
-              </a:lnSpc>
-              <a:spcBef>
-                <a:spcPts val="1001"/>
-              </a:spcBef>
-            </a:pPr>
-            <a:endParaRPr lang="en" sz="2000" spc="-1" dirty="0">
-              <a:solidFill>
-                <a:srgbClr val="000000"/>
-              </a:solidFill>
-              <a:latin typeface="Candara"/>
-              <a:ea typeface="DejaVu Sans"/>
-            </a:endParaRPr>
-          </a:p>
-          <a:p>
-            <a:pPr>
-              <a:lnSpc>
-                <a:spcPct val="90000"/>
-              </a:lnSpc>
-              <a:spcBef>
-                <a:spcPts val="1001"/>
-              </a:spcBef>
-            </a:pPr>
-            <a:endParaRPr lang="en" sz="2000" b="0" strike="noStrike" spc="-1" dirty="0">
-              <a:solidFill>
-                <a:srgbClr val="000000"/>
-              </a:solidFill>
-              <a:latin typeface="Candara"/>
-              <a:ea typeface="DejaVu Sans"/>
-            </a:endParaRPr>
-          </a:p>
-          <a:p>
-            <a:pPr>
-              <a:lnSpc>
-                <a:spcPct val="90000"/>
-              </a:lnSpc>
-              <a:spcBef>
-                <a:spcPts val="1001"/>
-              </a:spcBef>
-            </a:pPr>
-            <a:r>
-              <a:rPr lang="en" sz="2000" b="0" strike="noStrike" spc="-1" dirty="0">
-                <a:solidFill>
-                  <a:srgbClr val="000000"/>
-                </a:solidFill>
-                <a:latin typeface="Candara"/>
-                <a:ea typeface="DejaVu Sans"/>
-              </a:rPr>
-              <a:t> </a:t>
-            </a:r>
-            <a:endParaRPr lang="en-US" sz="2000" b="0" strike="noStrike" spc="-1" dirty="0">
-              <a:latin typeface="Arial"/>
-            </a:endParaRPr>
-          </a:p>
-          <a:p>
-            <a:pPr>
-              <a:lnSpc>
-                <a:spcPct val="90000"/>
-              </a:lnSpc>
-              <a:spcBef>
-                <a:spcPts val="1001"/>
-              </a:spcBef>
-            </a:pPr>
-            <a:endParaRPr lang="en-US" sz="2000" b="0" strike="noStrike" spc="-1" dirty="0">
-              <a:latin typeface="Arial"/>
-            </a:endParaRPr>
-          </a:p>
-          <a:p>
-            <a:pPr>
-              <a:lnSpc>
-                <a:spcPct val="90000"/>
-              </a:lnSpc>
-              <a:spcBef>
-                <a:spcPts val="1001"/>
-              </a:spcBef>
-            </a:pPr>
-            <a:endParaRPr lang="en-US" sz="2000" b="0" strike="noStrike" spc="-1" dirty="0">
-              <a:latin typeface="Arial"/>
-            </a:endParaRPr>
-          </a:p>
-          <a:p>
-            <a:pPr>
-              <a:lnSpc>
-                <a:spcPct val="90000"/>
-              </a:lnSpc>
-              <a:spcBef>
-                <a:spcPts val="1001"/>
-              </a:spcBef>
-            </a:pPr>
-            <a:endParaRPr lang="en-US" sz="2000" b="0" strike="noStrike" spc="-1" dirty="0">
+            <a:endParaRPr lang="en-US" sz="2800" b="0" strike="noStrike" spc="-1" dirty="0">
               <a:latin typeface="Arial"/>
             </a:endParaRPr>
           </a:p>
@@ -6778,7 +7436,7 @@
     </p:spTree>
     <p:extLst>
       <p:ext uri="{BB962C8B-B14F-4D97-AF65-F5344CB8AC3E}">
-        <p14:creationId xmlns:p14="http://schemas.microsoft.com/office/powerpoint/2010/main" val="305831374"/>
+        <p14:creationId xmlns:p14="http://schemas.microsoft.com/office/powerpoint/2010/main" val="3918255864"/>
       </p:ext>
     </p:extLst>
   </p:cSld>
@@ -6788,7 +7446,7 @@
 </p:sld>
 </file>
 
-<file path=ppt/slides/slide5.xml><?xml version="1.0" encoding="utf-8"?>
+<file path=ppt/slides/slide6.xml><?xml version="1.0" encoding="utf-8"?>
 <p:sld xmlns:a="http://schemas.openxmlformats.org/drawingml/2006/main" xmlns:r="http://schemas.openxmlformats.org/officeDocument/2006/relationships" xmlns:p="http://schemas.openxmlformats.org/presentationml/2006/main" show="0">
   <p:cSld>
     <p:spTree>
@@ -6871,8 +7529,8 @@
         </p:nvSpPr>
         <p:spPr>
           <a:xfrm>
-            <a:off x="692640" y="1509120"/>
-            <a:ext cx="8691840" cy="3595320"/>
+            <a:off x="692640" y="1161984"/>
+            <a:ext cx="8691840" cy="4508566"/>
           </a:xfrm>
           <a:prstGeom prst="rect">
             <a:avLst/>
@@ -6909,7 +7567,7 @@
               </a:spcBef>
             </a:pPr>
             <a:r>
-              <a:rPr lang="en" sz="2800" b="0" u="sng" strike="noStrike" spc="-1" dirty="0">
+              <a:rPr lang="en" sz="2000" b="0" u="sng" strike="noStrike" spc="-1" dirty="0">
                 <a:solidFill>
                   <a:srgbClr val="000000"/>
                 </a:solidFill>
@@ -6920,16 +7578,16 @@
               <a:t>Component 1</a:t>
             </a:r>
             <a:r>
-              <a:rPr lang="en" sz="2800" b="0" strike="noStrike" spc="-1" dirty="0">
+              <a:rPr lang="en" sz="2000" b="0" strike="noStrike" spc="-1" dirty="0">
                 <a:solidFill>
                   <a:srgbClr val="000000"/>
                 </a:solidFill>
                 <a:latin typeface="Candara"/>
                 <a:ea typeface="DejaVu Sans"/>
               </a:rPr>
-              <a:t>: Database – The database handles the…</a:t>
-            </a:r>
-            <a:endParaRPr lang="en-US" sz="2800" b="0" strike="noStrike" spc="-1" dirty="0">
+              <a:t>: Database – The database handles the actigraph &amp; EEG data for each subject for each night.</a:t>
+            </a:r>
+            <a:endParaRPr lang="en-US" sz="2000" b="0" strike="noStrike" spc="-1" dirty="0">
               <a:latin typeface="Arial"/>
             </a:endParaRPr>
           </a:p>
@@ -6942,7 +7600,7 @@
                 <a:spcPts val="1001"/>
               </a:spcBef>
             </a:pPr>
-            <a:endParaRPr lang="en-US" sz="2800" b="0" strike="noStrike" spc="-1" dirty="0">
+            <a:endParaRPr lang="en-US" sz="2000" b="0" strike="noStrike" spc="-1" dirty="0">
               <a:latin typeface="Arial"/>
             </a:endParaRPr>
           </a:p>
@@ -6956,7 +7614,7 @@
               </a:spcBef>
             </a:pPr>
             <a:r>
-              <a:rPr lang="en" sz="2800" b="0" u="sng" strike="noStrike" spc="-1" dirty="0">
+              <a:rPr lang="en" sz="2000" b="0" u="sng" strike="noStrike" spc="-1" dirty="0">
                 <a:solidFill>
                   <a:srgbClr val="000000"/>
                 </a:solidFill>
@@ -6967,16 +7625,36 @@
               <a:t>Component 2</a:t>
             </a:r>
             <a:r>
-              <a:rPr lang="en" sz="2800" b="0" strike="noStrike" spc="-1" dirty="0">
+              <a:rPr lang="en" sz="2000" b="0" strike="noStrike" spc="-1" dirty="0">
                 <a:solidFill>
                   <a:srgbClr val="000000"/>
                 </a:solidFill>
                 <a:latin typeface="Candara"/>
                 <a:ea typeface="DejaVu Sans"/>
               </a:rPr>
-              <a:t>: GUI – The GUI allows the user to…</a:t>
-            </a:r>
-            <a:endParaRPr lang="en-US" sz="2800" b="0" strike="noStrike" spc="-1" dirty="0">
+              <a:t>: Class and Methods – The class allows the user to load each participant and access immmmedietly </a:t>
+            </a:r>
+            <a:r>
+              <a:rPr lang="en-US" sz="2000" b="0" strike="noStrike" spc="-1" dirty="0">
+                <a:solidFill>
+                  <a:srgbClr val="000000"/>
+                </a:solidFill>
+                <a:latin typeface="Candara"/>
+                <a:ea typeface="DejaVu Sans"/>
+              </a:rPr>
+              <a:t>all</a:t>
+            </a:r>
+            <a:r>
+              <a:rPr lang="en" sz="2000" b="0" strike="noStrike" spc="-1" dirty="0">
+                <a:solidFill>
+                  <a:srgbClr val="000000"/>
+                </a:solidFill>
+                <a:latin typeface="Candara"/>
+                <a:ea typeface="DejaVu Sans"/>
+              </a:rPr>
+              <a:t> his relevant data and calaulate for him sleep parameters.</a:t>
+            </a:r>
+            <a:endParaRPr lang="en-US" sz="2000" b="0" strike="noStrike" spc="-1" dirty="0">
               <a:latin typeface="Arial"/>
             </a:endParaRPr>
           </a:p>
@@ -6989,7 +7667,7 @@
                 <a:spcPts val="1001"/>
               </a:spcBef>
             </a:pPr>
-            <a:endParaRPr lang="en-US" sz="2800" b="0" strike="noStrike" spc="-1" dirty="0">
+            <a:endParaRPr lang="en-US" sz="2000" b="0" strike="noStrike" spc="-1" dirty="0">
               <a:latin typeface="Arial"/>
             </a:endParaRPr>
           </a:p>
@@ -7002,8 +7680,53 @@
                 <a:spcPts val="1001"/>
               </a:spcBef>
             </a:pPr>
-            <a:endParaRPr lang="en-US" sz="2800" b="0" strike="noStrike" spc="-1" dirty="0">
-              <a:latin typeface="Arial"/>
+            <a:r>
+              <a:rPr lang="en" sz="2000" b="0" u="sng" strike="noStrike" spc="-1" dirty="0">
+                <a:solidFill>
+                  <a:srgbClr val="000000"/>
+                </a:solidFill>
+                <a:uFillTx/>
+                <a:latin typeface="Candara"/>
+                <a:ea typeface="DejaVu Sans"/>
+              </a:rPr>
+              <a:t>Component 3</a:t>
+            </a:r>
+            <a:r>
+              <a:rPr lang="en" sz="2000" b="0" strike="noStrike" spc="-1" dirty="0">
+                <a:solidFill>
+                  <a:srgbClr val="000000"/>
+                </a:solidFill>
+                <a:latin typeface="Candara"/>
+                <a:ea typeface="DejaVu Sans"/>
+              </a:rPr>
+              <a:t>: </a:t>
+            </a:r>
+            <a:r>
+              <a:rPr lang="en" sz="2000" spc="-1" dirty="0">
+                <a:solidFill>
+                  <a:srgbClr val="000000"/>
+                </a:solidFill>
+                <a:latin typeface="Candara"/>
+                <a:ea typeface="DejaVu Sans"/>
+              </a:rPr>
+              <a:t>Fi</a:t>
+            </a:r>
+            <a:r>
+              <a:rPr lang="en" sz="2000" b="0" strike="noStrike" spc="-1" dirty="0">
+                <a:solidFill>
+                  <a:srgbClr val="000000"/>
+                </a:solidFill>
+                <a:latin typeface="Candara"/>
+                <a:ea typeface="DejaVu Sans"/>
+              </a:rPr>
+              <a:t>gures – The Figures allows the user to visualize each subject’s night data and assess it.</a:t>
+            </a:r>
+            <a:endParaRPr lang="he-IL" sz="2000" b="0" strike="noStrike" spc="-1" dirty="0">
+              <a:solidFill>
+                <a:srgbClr val="000000"/>
+              </a:solidFill>
+              <a:latin typeface="Candara"/>
+              <a:ea typeface="DejaVu Sans"/>
             </a:endParaRPr>
           </a:p>
           <a:p>
@@ -7015,7 +7738,7 @@
                 <a:spcPts val="1001"/>
               </a:spcBef>
             </a:pPr>
-            <a:endParaRPr lang="en-US" sz="2800" b="0" strike="noStrike" spc="-1" dirty="0">
+            <a:endParaRPr lang="en-US" sz="2000" b="0" strike="noStrike" spc="-1" dirty="0">
               <a:latin typeface="Arial"/>
             </a:endParaRPr>
           </a:p>
@@ -7028,13 +7751,162 @@
                 <a:spcPts val="1001"/>
               </a:spcBef>
             </a:pPr>
-            <a:endParaRPr lang="en-US" sz="2800" b="0" strike="noStrike" spc="-1" dirty="0">
+            <a:r>
+              <a:rPr lang="en" sz="2000" b="0" u="sng" strike="noStrike" spc="-1" dirty="0">
+                <a:solidFill>
+                  <a:srgbClr val="000000"/>
+                </a:solidFill>
+                <a:uFillTx/>
+                <a:latin typeface="Candara"/>
+                <a:ea typeface="DejaVu Sans"/>
+              </a:rPr>
+              <a:t>Component</a:t>
+            </a:r>
+            <a:r>
+              <a:rPr lang="en-US" sz="2000" u="sng" spc="-1" dirty="0">
+                <a:solidFill>
+                  <a:srgbClr val="000000"/>
+                </a:solidFill>
+                <a:latin typeface="Candara"/>
+                <a:ea typeface="DejaVu Sans"/>
+              </a:rPr>
+              <a:t> 4:</a:t>
+            </a:r>
+            <a:r>
+              <a:rPr lang="en" sz="2000" b="0" strike="noStrike" spc="-1" dirty="0">
+                <a:solidFill>
+                  <a:srgbClr val="000000"/>
+                </a:solidFill>
+                <a:latin typeface="Candara"/>
+                <a:ea typeface="DejaVu Sans"/>
+              </a:rPr>
+              <a:t> Regression model – </a:t>
+            </a:r>
+            <a:r>
+              <a:rPr lang="en-US" sz="2000" b="0" strike="noStrike" spc="-1" dirty="0">
+                <a:solidFill>
+                  <a:srgbClr val="000000"/>
+                </a:solidFill>
+                <a:latin typeface="Candara"/>
+                <a:ea typeface="DejaVu Sans"/>
+              </a:rPr>
+              <a:t>To examine how well actigraphy data predicts EEG data regarding sleep quality</a:t>
+            </a:r>
+            <a:r>
+              <a:rPr lang="en" sz="2000" b="0" strike="noStrike" spc="-1" dirty="0">
+                <a:solidFill>
+                  <a:srgbClr val="000000"/>
+                </a:solidFill>
+                <a:latin typeface="Candara"/>
+                <a:ea typeface="DejaVu Sans"/>
+              </a:rPr>
+              <a:t>.</a:t>
+            </a:r>
+          </a:p>
+          <a:p>
+            <a:pPr>
+              <a:lnSpc>
+                <a:spcPct val="90000"/>
+              </a:lnSpc>
+              <a:spcBef>
+                <a:spcPts val="1001"/>
+              </a:spcBef>
+            </a:pPr>
+            <a:endParaRPr lang="en" sz="2000" spc="-1" dirty="0">
+              <a:solidFill>
+                <a:srgbClr val="000000"/>
+              </a:solidFill>
+              <a:latin typeface="Candara"/>
+              <a:ea typeface="DejaVu Sans"/>
+            </a:endParaRPr>
+          </a:p>
+          <a:p>
+            <a:pPr>
+              <a:lnSpc>
+                <a:spcPct val="90000"/>
+              </a:lnSpc>
+              <a:spcBef>
+                <a:spcPts val="1001"/>
+              </a:spcBef>
+            </a:pPr>
+            <a:endParaRPr lang="en" sz="2000" b="0" strike="noStrike" spc="-1" dirty="0">
+              <a:solidFill>
+                <a:srgbClr val="000000"/>
+              </a:solidFill>
+              <a:latin typeface="Candara"/>
+              <a:ea typeface="DejaVu Sans"/>
+            </a:endParaRPr>
+          </a:p>
+          <a:p>
+            <a:pPr>
+              <a:lnSpc>
+                <a:spcPct val="90000"/>
+              </a:lnSpc>
+              <a:spcBef>
+                <a:spcPts val="1001"/>
+              </a:spcBef>
+            </a:pPr>
+            <a:r>
+              <a:rPr lang="en" sz="2000" b="0" strike="noStrike" spc="-1" dirty="0">
+                <a:solidFill>
+                  <a:srgbClr val="000000"/>
+                </a:solidFill>
+                <a:latin typeface="Candara"/>
+                <a:ea typeface="DejaVu Sans"/>
+              </a:rPr>
+              <a:t> </a:t>
+            </a:r>
+            <a:endParaRPr lang="en-US" sz="2000" b="0" strike="noStrike" spc="-1" dirty="0">
+              <a:latin typeface="Arial"/>
+            </a:endParaRPr>
+          </a:p>
+          <a:p>
+            <a:pPr>
+              <a:lnSpc>
+                <a:spcPct val="90000"/>
+              </a:lnSpc>
+              <a:spcBef>
+                <a:spcPts val="1001"/>
+              </a:spcBef>
+            </a:pPr>
+            <a:endParaRPr lang="en-US" sz="2000" b="0" strike="noStrike" spc="-1" dirty="0">
+              <a:latin typeface="Arial"/>
+            </a:endParaRPr>
+          </a:p>
+          <a:p>
+            <a:pPr>
+              <a:lnSpc>
+                <a:spcPct val="90000"/>
+              </a:lnSpc>
+              <a:spcBef>
+                <a:spcPts val="1001"/>
+              </a:spcBef>
+            </a:pPr>
+            <a:endParaRPr lang="en-US" sz="2000" b="0" strike="noStrike" spc="-1" dirty="0">
+              <a:latin typeface="Arial"/>
+            </a:endParaRPr>
+          </a:p>
+          <a:p>
+            <a:pPr>
+              <a:lnSpc>
+                <a:spcPct val="90000"/>
+              </a:lnSpc>
+              <a:spcBef>
+                <a:spcPts val="1001"/>
+              </a:spcBef>
+            </a:pPr>
+            <a:endParaRPr lang="en-US" sz="2000" b="0" strike="noStrike" spc="-1" dirty="0">
               <a:latin typeface="Arial"/>
             </a:endParaRPr>
           </a:p>
         </p:txBody>
       </p:sp>
     </p:spTree>
+    <p:extLst>
+      <p:ext uri="{BB962C8B-B14F-4D97-AF65-F5344CB8AC3E}">
+        <p14:creationId xmlns:p14="http://schemas.microsoft.com/office/powerpoint/2010/main" val="305831374"/>
+      </p:ext>
+    </p:extLst>
   </p:cSld>
   <p:clrMapOvr>
     <a:masterClrMapping/>
@@ -7042,8 +7914,8 @@
 </p:sld>
 </file>
 
-<file path=ppt/slides/slide6.xml><?xml version="1.0" encoding="utf-8"?>
-<p:sld xmlns:a="http://schemas.openxmlformats.org/drawingml/2006/main" xmlns:r="http://schemas.openxmlformats.org/officeDocument/2006/relationships" xmlns:p="http://schemas.openxmlformats.org/presentationml/2006/main">
+<file path=ppt/slides/slide7.xml><?xml version="1.0" encoding="utf-8"?>
+<p:sld xmlns:a="http://schemas.openxmlformats.org/drawingml/2006/main" xmlns:r="http://schemas.openxmlformats.org/officeDocument/2006/relationships" xmlns:p="http://schemas.openxmlformats.org/presentationml/2006/main" show="0">
   <p:cSld>
     <p:spTree>
       <p:nvGrpSpPr>
@@ -7061,7 +7933,7 @@
       </p:grpSpPr>
       <p:sp>
         <p:nvSpPr>
-          <p:cNvPr id="89" name="CustomShape 1"/>
+          <p:cNvPr id="87" name="CustomShape 1"/>
           <p:cNvSpPr/>
           <p:nvPr/>
         </p:nvSpPr>
@@ -7109,7 +7981,7 @@
                 <a:latin typeface="Cambria"/>
                 <a:ea typeface="Cambria"/>
               </a:rPr>
-              <a:t>Major Components - Flowchart</a:t>
+              <a:t>Major Components</a:t>
             </a:r>
             <a:endParaRPr lang="en-US" sz="4400" b="0" strike="noStrike" spc="-1">
               <a:latin typeface="Arial"/>
@@ -7119,7 +7991,7 @@
       </p:sp>
       <p:sp>
         <p:nvSpPr>
-          <p:cNvPr id="90" name="CustomShape 2"/>
+          <p:cNvPr id="88" name="CustomShape 2"/>
           <p:cNvSpPr/>
           <p:nvPr/>
         </p:nvSpPr>
@@ -7162,694 +8034,17 @@
                 <a:spcPts val="1001"/>
               </a:spcBef>
             </a:pPr>
-            <a:endParaRPr lang="en-US" sz="1800" b="0" strike="noStrike" spc="-1">
-              <a:latin typeface="Arial"/>
-            </a:endParaRPr>
-          </a:p>
-          <a:p>
-            <a:pPr>
-              <a:lnSpc>
-                <a:spcPct val="90000"/>
-              </a:lnSpc>
-              <a:spcBef>
-                <a:spcPts val="1001"/>
-              </a:spcBef>
-            </a:pPr>
-            <a:endParaRPr lang="en-US" sz="1800" b="0" strike="noStrike" spc="-1">
-              <a:latin typeface="Arial"/>
-            </a:endParaRPr>
-          </a:p>
-          <a:p>
-            <a:pPr>
-              <a:lnSpc>
-                <a:spcPct val="90000"/>
-              </a:lnSpc>
-              <a:spcBef>
-                <a:spcPts val="1001"/>
-              </a:spcBef>
-            </a:pPr>
-            <a:endParaRPr lang="en-US" sz="1800" b="0" strike="noStrike" spc="-1">
-              <a:latin typeface="Arial"/>
-            </a:endParaRPr>
-          </a:p>
-          <a:p>
-            <a:pPr>
-              <a:lnSpc>
-                <a:spcPct val="90000"/>
-              </a:lnSpc>
-              <a:spcBef>
-                <a:spcPts val="1001"/>
-              </a:spcBef>
-            </a:pPr>
-            <a:endParaRPr lang="en-US" sz="1800" b="0" strike="noStrike" spc="-1">
-              <a:latin typeface="Arial"/>
-            </a:endParaRPr>
-          </a:p>
-          <a:p>
-            <a:pPr>
-              <a:lnSpc>
-                <a:spcPct val="90000"/>
-              </a:lnSpc>
-              <a:spcBef>
-                <a:spcPts val="1001"/>
-              </a:spcBef>
-            </a:pPr>
-            <a:endParaRPr lang="en-US" sz="1800" b="0" strike="noStrike" spc="-1">
-              <a:latin typeface="Arial"/>
-            </a:endParaRPr>
-          </a:p>
-        </p:txBody>
-      </p:sp>
-      <p:sp>
-        <p:nvSpPr>
-          <p:cNvPr id="93" name="CustomShape 5"/>
-          <p:cNvSpPr/>
-          <p:nvPr/>
-        </p:nvSpPr>
-        <p:spPr>
-          <a:xfrm>
-            <a:off x="4511039" y="1317413"/>
-            <a:ext cx="1736640" cy="1188000"/>
-          </a:xfrm>
-          <a:prstGeom prst="rect">
-            <a:avLst/>
-          </a:prstGeom>
-          <a:solidFill>
-            <a:srgbClr val="729FCF"/>
-          </a:solidFill>
-          <a:ln>
-            <a:solidFill>
-              <a:srgbClr val="3465A4"/>
-            </a:solidFill>
-          </a:ln>
-        </p:spPr>
-        <p:style>
-          <a:lnRef idx="0">
-            <a:scrgbClr r="0" g="0" b="0"/>
-          </a:lnRef>
-          <a:fillRef idx="0">
-            <a:scrgbClr r="0" g="0" b="0"/>
-          </a:fillRef>
-          <a:effectRef idx="0">
-            <a:scrgbClr r="0" g="0" b="0"/>
-          </a:effectRef>
-          <a:fontRef idx="minor"/>
-        </p:style>
-        <p:txBody>
-          <a:bodyPr wrap="none" lIns="90000" tIns="45000" rIns="90000" bIns="45000" anchor="ctr">
-            <a:noAutofit/>
-          </a:bodyPr>
-          <a:lstStyle/>
-          <a:p>
-            <a:pPr algn="ctr">
-              <a:lnSpc>
-                <a:spcPct val="100000"/>
-              </a:lnSpc>
-            </a:pPr>
-            <a:r>
-              <a:rPr lang="en" sz="1800" b="0" strike="noStrike" spc="-1" dirty="0">
+            <a:r>
+              <a:rPr lang="en" sz="2800" b="0" u="sng" strike="noStrike" spc="-1" dirty="0">
                 <a:solidFill>
                   <a:srgbClr val="000000"/>
                 </a:solidFill>
-                <a:latin typeface="Arial"/>
+                <a:uFillTx/>
+                <a:latin typeface="Candara"/>
                 <a:ea typeface="DejaVu Sans"/>
               </a:rPr>
-              <a:t>Class</a:t>
-            </a:r>
-            <a:endParaRPr lang="en-US" sz="1800" b="0" strike="noStrike" spc="-1" dirty="0">
-              <a:latin typeface="Arial"/>
-            </a:endParaRPr>
-          </a:p>
-        </p:txBody>
-      </p:sp>
-      <p:sp>
-        <p:nvSpPr>
-          <p:cNvPr id="94" name="Line 6"/>
-          <p:cNvSpPr/>
-          <p:nvPr/>
-        </p:nvSpPr>
-        <p:spPr>
-          <a:xfrm>
-            <a:off x="6248399" y="1866053"/>
-            <a:ext cx="1463040" cy="0"/>
-          </a:xfrm>
-          <a:prstGeom prst="line">
-            <a:avLst/>
-          </a:prstGeom>
-          <a:ln>
-            <a:solidFill>
-              <a:srgbClr val="3465A4"/>
-            </a:solidFill>
-            <a:tailEnd type="triangle" w="med" len="med"/>
-          </a:ln>
-        </p:spPr>
-        <p:style>
-          <a:lnRef idx="0">
-            <a:scrgbClr r="0" g="0" b="0"/>
-          </a:lnRef>
-          <a:fillRef idx="0">
-            <a:scrgbClr r="0" g="0" b="0"/>
-          </a:fillRef>
-          <a:effectRef idx="0">
-            <a:scrgbClr r="0" g="0" b="0"/>
-          </a:effectRef>
-          <a:fontRef idx="minor"/>
-        </p:style>
-      </p:sp>
-      <p:sp>
-        <p:nvSpPr>
-          <p:cNvPr id="8" name="CustomShape 5">
-            <a:extLst>
-              <a:ext uri="{FF2B5EF4-FFF2-40B4-BE49-F238E27FC236}">
-                <a16:creationId xmlns:a16="http://schemas.microsoft.com/office/drawing/2014/main" id="{12D25983-8C1F-4B41-B1D4-29D7E99D24E3}"/>
-              </a:ext>
-            </a:extLst>
-          </p:cNvPr>
-          <p:cNvSpPr/>
-          <p:nvPr/>
-        </p:nvSpPr>
-        <p:spPr>
-          <a:xfrm>
-            <a:off x="7728373" y="1317413"/>
-            <a:ext cx="1736640" cy="1188000"/>
-          </a:xfrm>
-          <a:prstGeom prst="rect">
-            <a:avLst/>
-          </a:prstGeom>
-          <a:solidFill>
-            <a:srgbClr val="729FCF"/>
-          </a:solidFill>
-          <a:ln>
-            <a:solidFill>
-              <a:srgbClr val="3465A4"/>
-            </a:solidFill>
-          </a:ln>
-        </p:spPr>
-        <p:style>
-          <a:lnRef idx="0">
-            <a:scrgbClr r="0" g="0" b="0"/>
-          </a:lnRef>
-          <a:fillRef idx="0">
-            <a:scrgbClr r="0" g="0" b="0"/>
-          </a:fillRef>
-          <a:effectRef idx="0">
-            <a:scrgbClr r="0" g="0" b="0"/>
-          </a:effectRef>
-          <a:fontRef idx="minor"/>
-        </p:style>
-        <p:txBody>
-          <a:bodyPr wrap="none" lIns="90000" tIns="45000" rIns="90000" bIns="45000" anchor="ctr">
-            <a:noAutofit/>
-          </a:bodyPr>
-          <a:lstStyle/>
-          <a:p>
-            <a:pPr algn="ctr">
-              <a:lnSpc>
-                <a:spcPct val="100000"/>
-              </a:lnSpc>
-            </a:pPr>
-            <a:r>
-              <a:rPr lang="en" sz="1800" b="0" strike="noStrike" spc="-1" dirty="0">
-                <a:solidFill>
-                  <a:srgbClr val="000000"/>
-                </a:solidFill>
-                <a:latin typeface="Arial"/>
-                <a:ea typeface="DejaVu Sans"/>
-              </a:rPr>
-              <a:t>Figures</a:t>
-            </a:r>
-            <a:endParaRPr lang="en-US" sz="1800" b="0" strike="noStrike" spc="-1" dirty="0">
-              <a:latin typeface="Arial"/>
-            </a:endParaRPr>
-          </a:p>
-        </p:txBody>
-      </p:sp>
-      <p:sp>
-        <p:nvSpPr>
-          <p:cNvPr id="9" name="Line 6">
-            <a:extLst>
-              <a:ext uri="{FF2B5EF4-FFF2-40B4-BE49-F238E27FC236}">
-                <a16:creationId xmlns:a16="http://schemas.microsoft.com/office/drawing/2014/main" id="{FA255F06-C198-4BFF-B798-BDAD44F7ADA6}"/>
-              </a:ext>
-            </a:extLst>
-          </p:cNvPr>
-          <p:cNvSpPr/>
-          <p:nvPr/>
-        </p:nvSpPr>
-        <p:spPr>
-          <a:xfrm>
-            <a:off x="2476465" y="1916926"/>
-            <a:ext cx="2051508" cy="1461274"/>
-          </a:xfrm>
-          <a:prstGeom prst="line">
-            <a:avLst/>
-          </a:prstGeom>
-          <a:ln>
-            <a:solidFill>
-              <a:srgbClr val="3465A4"/>
-            </a:solidFill>
-            <a:tailEnd type="triangle" w="med" len="med"/>
-          </a:ln>
-        </p:spPr>
-        <p:style>
-          <a:lnRef idx="0">
-            <a:scrgbClr r="0" g="0" b="0"/>
-          </a:lnRef>
-          <a:fillRef idx="0">
-            <a:scrgbClr r="0" g="0" b="0"/>
-          </a:fillRef>
-          <a:effectRef idx="0">
-            <a:scrgbClr r="0" g="0" b="0"/>
-          </a:effectRef>
-          <a:fontRef idx="minor"/>
-        </p:style>
-      </p:sp>
-      <p:sp>
-        <p:nvSpPr>
-          <p:cNvPr id="10" name="CustomShape 5">
-            <a:extLst>
-              <a:ext uri="{FF2B5EF4-FFF2-40B4-BE49-F238E27FC236}">
-                <a16:creationId xmlns:a16="http://schemas.microsoft.com/office/drawing/2014/main" id="{AFF3045B-3319-4721-8F04-1336455F4564}"/>
-              </a:ext>
-            </a:extLst>
-          </p:cNvPr>
-          <p:cNvSpPr/>
-          <p:nvPr/>
-        </p:nvSpPr>
-        <p:spPr>
-          <a:xfrm>
-            <a:off x="4536439" y="2801477"/>
-            <a:ext cx="1736640" cy="1188000"/>
-          </a:xfrm>
-          <a:prstGeom prst="rect">
-            <a:avLst/>
-          </a:prstGeom>
-          <a:solidFill>
-            <a:srgbClr val="729FCF"/>
-          </a:solidFill>
-          <a:ln>
-            <a:solidFill>
-              <a:srgbClr val="3465A4"/>
-            </a:solidFill>
-          </a:ln>
-        </p:spPr>
-        <p:style>
-          <a:lnRef idx="0">
-            <a:scrgbClr r="0" g="0" b="0"/>
-          </a:lnRef>
-          <a:fillRef idx="0">
-            <a:scrgbClr r="0" g="0" b="0"/>
-          </a:fillRef>
-          <a:effectRef idx="0">
-            <a:scrgbClr r="0" g="0" b="0"/>
-          </a:effectRef>
-          <a:fontRef idx="minor"/>
-        </p:style>
-        <p:txBody>
-          <a:bodyPr wrap="none" lIns="90000" tIns="45000" rIns="90000" bIns="45000" anchor="ctr">
-            <a:noAutofit/>
-          </a:bodyPr>
-          <a:lstStyle/>
-          <a:p>
-            <a:pPr algn="ctr">
-              <a:lnSpc>
-                <a:spcPct val="100000"/>
-              </a:lnSpc>
-            </a:pPr>
-            <a:r>
-              <a:rPr lang="en" spc="-1" dirty="0">
-                <a:solidFill>
-                  <a:srgbClr val="000000"/>
-                </a:solidFill>
-                <a:latin typeface="Arial"/>
-              </a:rPr>
-              <a:t>Regression </a:t>
-            </a:r>
-          </a:p>
-          <a:p>
-            <a:pPr algn="ctr">
-              <a:lnSpc>
-                <a:spcPct val="100000"/>
-              </a:lnSpc>
-            </a:pPr>
-            <a:r>
-              <a:rPr lang="en" spc="-1" dirty="0">
-                <a:solidFill>
-                  <a:srgbClr val="000000"/>
-                </a:solidFill>
-                <a:latin typeface="Arial"/>
-              </a:rPr>
-              <a:t>model</a:t>
-            </a:r>
-            <a:endParaRPr lang="en-US" sz="1800" b="0" strike="noStrike" spc="-1" dirty="0">
-              <a:latin typeface="Arial"/>
-            </a:endParaRPr>
-          </a:p>
-        </p:txBody>
-      </p:sp>
-      <p:sp>
-        <p:nvSpPr>
-          <p:cNvPr id="11" name="CustomShape 3">
-            <a:extLst>
-              <a:ext uri="{FF2B5EF4-FFF2-40B4-BE49-F238E27FC236}">
-                <a16:creationId xmlns:a16="http://schemas.microsoft.com/office/drawing/2014/main" id="{A8AC3310-960E-40F0-89EF-1086BBC57429}"/>
-              </a:ext>
-            </a:extLst>
-          </p:cNvPr>
-          <p:cNvSpPr/>
-          <p:nvPr/>
-        </p:nvSpPr>
-        <p:spPr>
-          <a:xfrm>
-            <a:off x="761999" y="1337732"/>
-            <a:ext cx="1736640" cy="1188000"/>
-          </a:xfrm>
-          <a:prstGeom prst="rect">
-            <a:avLst/>
-          </a:prstGeom>
-          <a:solidFill>
-            <a:srgbClr val="729FCF"/>
-          </a:solidFill>
-          <a:ln>
-            <a:solidFill>
-              <a:srgbClr val="3465A4"/>
-            </a:solidFill>
-          </a:ln>
-        </p:spPr>
-        <p:style>
-          <a:lnRef idx="0">
-            <a:scrgbClr r="0" g="0" b="0"/>
-          </a:lnRef>
-          <a:fillRef idx="0">
-            <a:scrgbClr r="0" g="0" b="0"/>
-          </a:fillRef>
-          <a:effectRef idx="0">
-            <a:scrgbClr r="0" g="0" b="0"/>
-          </a:effectRef>
-          <a:fontRef idx="minor"/>
-        </p:style>
-        <p:txBody>
-          <a:bodyPr wrap="none" lIns="90000" tIns="45000" rIns="90000" bIns="45000" anchor="ctr">
-            <a:noAutofit/>
-          </a:bodyPr>
-          <a:lstStyle/>
-          <a:p>
-            <a:pPr algn="ctr">
-              <a:lnSpc>
-                <a:spcPct val="100000"/>
-              </a:lnSpc>
-            </a:pPr>
-            <a:r>
-              <a:rPr lang="en" sz="1800" b="0" strike="noStrike" spc="-1" dirty="0">
-                <a:solidFill>
-                  <a:srgbClr val="000000"/>
-                </a:solidFill>
-                <a:latin typeface="Arial"/>
-                <a:ea typeface="DejaVu Sans"/>
-              </a:rPr>
-              <a:t>Database</a:t>
-            </a:r>
-            <a:endParaRPr lang="en-US" sz="1800" b="0" strike="noStrike" spc="-1" dirty="0">
-              <a:latin typeface="Arial"/>
-            </a:endParaRPr>
-          </a:p>
-        </p:txBody>
-      </p:sp>
-      <p:sp>
-        <p:nvSpPr>
-          <p:cNvPr id="12" name="Line 4">
-            <a:extLst>
-              <a:ext uri="{FF2B5EF4-FFF2-40B4-BE49-F238E27FC236}">
-                <a16:creationId xmlns:a16="http://schemas.microsoft.com/office/drawing/2014/main" id="{6AF3A762-105F-470F-B85F-0C43486234B6}"/>
-              </a:ext>
-            </a:extLst>
-          </p:cNvPr>
-          <p:cNvSpPr/>
-          <p:nvPr/>
-        </p:nvSpPr>
-        <p:spPr>
-          <a:xfrm>
-            <a:off x="2500799" y="1928492"/>
-            <a:ext cx="2010240" cy="0"/>
-          </a:xfrm>
-          <a:prstGeom prst="line">
-            <a:avLst/>
-          </a:prstGeom>
-          <a:ln>
-            <a:solidFill>
-              <a:srgbClr val="3465A4"/>
-            </a:solidFill>
-            <a:tailEnd type="triangle" w="med" len="med"/>
-          </a:ln>
-        </p:spPr>
-        <p:style>
-          <a:lnRef idx="0">
-            <a:scrgbClr r="0" g="0" b="0"/>
-          </a:lnRef>
-          <a:fillRef idx="0">
-            <a:scrgbClr r="0" g="0" b="0"/>
-          </a:fillRef>
-          <a:effectRef idx="0">
-            <a:scrgbClr r="0" g="0" b="0"/>
-          </a:effectRef>
-          <a:fontRef idx="minor"/>
-        </p:style>
-      </p:sp>
-      <p:sp>
-        <p:nvSpPr>
-          <p:cNvPr id="13" name="CustomShape 5">
-            <a:extLst>
-              <a:ext uri="{FF2B5EF4-FFF2-40B4-BE49-F238E27FC236}">
-                <a16:creationId xmlns:a16="http://schemas.microsoft.com/office/drawing/2014/main" id="{52133FB1-F1DB-4482-9FBE-E198B06027B5}"/>
-              </a:ext>
-            </a:extLst>
-          </p:cNvPr>
-          <p:cNvSpPr/>
-          <p:nvPr/>
-        </p:nvSpPr>
-        <p:spPr>
-          <a:xfrm>
-            <a:off x="4544905" y="4317013"/>
-            <a:ext cx="1736640" cy="1188000"/>
-          </a:xfrm>
-          <a:prstGeom prst="rect">
-            <a:avLst/>
-          </a:prstGeom>
-          <a:solidFill>
-            <a:srgbClr val="729FCF"/>
-          </a:solidFill>
-          <a:ln>
-            <a:solidFill>
-              <a:srgbClr val="3465A4"/>
-            </a:solidFill>
-          </a:ln>
-        </p:spPr>
-        <p:style>
-          <a:lnRef idx="0">
-            <a:scrgbClr r="0" g="0" b="0"/>
-          </a:lnRef>
-          <a:fillRef idx="0">
-            <a:scrgbClr r="0" g="0" b="0"/>
-          </a:fillRef>
-          <a:effectRef idx="0">
-            <a:scrgbClr r="0" g="0" b="0"/>
-          </a:effectRef>
-          <a:fontRef idx="minor"/>
-        </p:style>
-        <p:txBody>
-          <a:bodyPr wrap="none" lIns="90000" tIns="45000" rIns="90000" bIns="45000" anchor="ctr">
-            <a:noAutofit/>
-          </a:bodyPr>
-          <a:lstStyle/>
-          <a:p>
-            <a:pPr algn="ctr">
-              <a:lnSpc>
-                <a:spcPct val="100000"/>
-              </a:lnSpc>
-            </a:pPr>
-            <a:r>
-              <a:rPr lang="en" spc="-1" dirty="0">
-                <a:solidFill>
-                  <a:srgbClr val="000000"/>
-                </a:solidFill>
-                <a:latin typeface="Arial"/>
-              </a:rPr>
-              <a:t>Correlations</a:t>
-            </a:r>
-            <a:endParaRPr lang="en-US" sz="1800" b="0" strike="noStrike" spc="-1" dirty="0">
-              <a:latin typeface="Arial"/>
-            </a:endParaRPr>
-          </a:p>
-        </p:txBody>
-      </p:sp>
-      <p:sp>
-        <p:nvSpPr>
-          <p:cNvPr id="14" name="Line 6">
-            <a:extLst>
-              <a:ext uri="{FF2B5EF4-FFF2-40B4-BE49-F238E27FC236}">
-                <a16:creationId xmlns:a16="http://schemas.microsoft.com/office/drawing/2014/main" id="{D30D2CC6-A13F-4F10-B588-0DD0D236EE2D}"/>
-              </a:ext>
-            </a:extLst>
-          </p:cNvPr>
-          <p:cNvSpPr/>
-          <p:nvPr/>
-        </p:nvSpPr>
-        <p:spPr>
-          <a:xfrm>
-            <a:off x="2467997" y="1916926"/>
-            <a:ext cx="2051508" cy="2959851"/>
-          </a:xfrm>
-          <a:prstGeom prst="line">
-            <a:avLst/>
-          </a:prstGeom>
-          <a:ln>
-            <a:solidFill>
-              <a:srgbClr val="3465A4"/>
-            </a:solidFill>
-            <a:tailEnd type="triangle" w="med" len="med"/>
-          </a:ln>
-        </p:spPr>
-        <p:style>
-          <a:lnRef idx="0">
-            <a:scrgbClr r="0" g="0" b="0"/>
-          </a:lnRef>
-          <a:fillRef idx="0">
-            <a:scrgbClr r="0" g="0" b="0"/>
-          </a:fillRef>
-          <a:effectRef idx="0">
-            <a:scrgbClr r="0" g="0" b="0"/>
-          </a:effectRef>
-          <a:fontRef idx="minor"/>
-        </p:style>
-      </p:sp>
-    </p:spTree>
-  </p:cSld>
-  <p:clrMapOvr>
-    <a:masterClrMapping/>
-  </p:clrMapOvr>
-</p:sld>
-</file>
-
-<file path=ppt/slides/slide7.xml><?xml version="1.0" encoding="utf-8"?>
-<p:sld xmlns:a="http://schemas.openxmlformats.org/drawingml/2006/main" xmlns:r="http://schemas.openxmlformats.org/officeDocument/2006/relationships" xmlns:p="http://schemas.openxmlformats.org/presentationml/2006/main">
-  <p:cSld>
-    <p:spTree>
-      <p:nvGrpSpPr>
-        <p:cNvPr id="1" name=""/>
-        <p:cNvGrpSpPr/>
-        <p:nvPr/>
-      </p:nvGrpSpPr>
-      <p:grpSpPr>
-        <a:xfrm>
-          <a:off x="0" y="0"/>
-          <a:ext cx="0" cy="0"/>
-          <a:chOff x="0" y="0"/>
-          <a:chExt cx="0" cy="0"/>
-        </a:xfrm>
-      </p:grpSpPr>
-      <p:sp>
-        <p:nvSpPr>
-          <p:cNvPr id="95" name="CustomShape 1"/>
-          <p:cNvSpPr/>
-          <p:nvPr/>
-        </p:nvSpPr>
-        <p:spPr>
-          <a:xfrm>
-            <a:off x="692640" y="301680"/>
-            <a:ext cx="8691840" cy="1094040"/>
-          </a:xfrm>
-          <a:prstGeom prst="rect">
-            <a:avLst/>
-          </a:prstGeom>
-          <a:noFill/>
-          <a:ln>
-            <a:noFill/>
-          </a:ln>
-        </p:spPr>
-        <p:style>
-          <a:lnRef idx="0">
-            <a:scrgbClr r="0" g="0" b="0"/>
-          </a:lnRef>
-          <a:fillRef idx="0">
-            <a:scrgbClr r="0" g="0" b="0"/>
-          </a:fillRef>
-          <a:effectRef idx="0">
-            <a:scrgbClr r="0" g="0" b="0"/>
-          </a:effectRef>
-          <a:fontRef idx="minor"/>
-        </p:style>
-        <p:txBody>
-          <a:bodyPr lIns="90000" tIns="45000" rIns="90000" bIns="45000" anchor="ctr">
-            <a:noAutofit/>
-          </a:bodyPr>
-          <a:lstStyle/>
-          <a:p>
-            <a:pPr>
-              <a:lnSpc>
-                <a:spcPct val="90000"/>
-              </a:lnSpc>
-            </a:pPr>
-            <a:r>
-              <a:rPr lang="en" sz="4400" b="0" strike="noStrike" spc="-1">
-                <a:solidFill>
-                  <a:srgbClr val="000000"/>
-                </a:solidFill>
-                <a:latin typeface="Cambria"/>
-                <a:ea typeface="Cambria"/>
-              </a:rPr>
-              <a:t>Database Features and Examples</a:t>
-            </a:r>
-            <a:endParaRPr lang="en-US" sz="4400" b="0" strike="noStrike" spc="-1">
-              <a:latin typeface="Arial"/>
-            </a:endParaRPr>
-          </a:p>
-        </p:txBody>
-      </p:sp>
-      <p:sp>
-        <p:nvSpPr>
-          <p:cNvPr id="96" name="CustomShape 2"/>
-          <p:cNvSpPr/>
-          <p:nvPr/>
-        </p:nvSpPr>
-        <p:spPr>
-          <a:xfrm>
-            <a:off x="692640" y="1509120"/>
-            <a:ext cx="8691840" cy="3595320"/>
-          </a:xfrm>
-          <a:prstGeom prst="rect">
-            <a:avLst/>
-          </a:prstGeom>
-          <a:noFill/>
-          <a:ln>
-            <a:noFill/>
-          </a:ln>
-        </p:spPr>
-        <p:style>
-          <a:lnRef idx="0">
-            <a:scrgbClr r="0" g="0" b="0"/>
-          </a:lnRef>
-          <a:fillRef idx="0">
-            <a:scrgbClr r="0" g="0" b="0"/>
-          </a:fillRef>
-          <a:effectRef idx="0">
-            <a:scrgbClr r="0" g="0" b="0"/>
-          </a:effectRef>
-          <a:fontRef idx="minor"/>
-        </p:style>
-        <p:txBody>
-          <a:bodyPr lIns="90000" tIns="45000" rIns="90000" bIns="45000">
-            <a:noAutofit/>
-          </a:bodyPr>
-          <a:lstStyle/>
-          <a:p>
-            <a:pPr>
-              <a:lnSpc>
-                <a:spcPct val="90000"/>
-              </a:lnSpc>
-              <a:spcBef>
-                <a:spcPts val="1001"/>
-              </a:spcBef>
-            </a:pPr>
+              <a:t>Component 1</a:t>
+            </a:r>
             <a:r>
               <a:rPr lang="en" sz="2800" b="0" strike="noStrike" spc="-1" dirty="0">
                 <a:solidFill>
@@ -7858,7 +8053,7 @@
                 <a:latin typeface="Candara"/>
                 <a:ea typeface="DejaVu Sans"/>
               </a:rPr>
-              <a:t>The database saves user login data:</a:t>
+              <a:t>: Database – The database handles the…</a:t>
             </a:r>
             <a:endParaRPr lang="en-US" sz="2800" b="0" strike="noStrike" spc="-1" dirty="0">
               <a:latin typeface="Arial"/>
@@ -7886,6 +8081,27 @@
                 <a:spcPts val="1001"/>
               </a:spcBef>
             </a:pPr>
+            <a:r>
+              <a:rPr lang="en" sz="2800" b="0" u="sng" strike="noStrike" spc="-1" dirty="0">
+                <a:solidFill>
+                  <a:srgbClr val="000000"/>
+                </a:solidFill>
+                <a:uFillTx/>
+                <a:latin typeface="Candara"/>
+                <a:ea typeface="DejaVu Sans"/>
+              </a:rPr>
+              <a:t>Component 2</a:t>
+            </a:r>
+            <a:r>
+              <a:rPr lang="en" sz="2800" b="0" strike="noStrike" spc="-1" dirty="0">
+                <a:solidFill>
+                  <a:srgbClr val="000000"/>
+                </a:solidFill>
+                <a:latin typeface="Candara"/>
+                <a:ea typeface="DejaVu Sans"/>
+              </a:rPr>
+              <a:t>: GUI – The GUI allows the user to…</a:t>
+            </a:r>
             <a:endParaRPr lang="en-US" sz="2800" b="0" strike="noStrike" spc="-1" dirty="0">
               <a:latin typeface="Arial"/>
             </a:endParaRPr>
@@ -7939,144 +8155,6 @@
               </a:spcBef>
             </a:pPr>
             <a:endParaRPr lang="en-US" sz="2800" b="0" strike="noStrike" spc="-1" dirty="0">
-              <a:latin typeface="Arial"/>
-            </a:endParaRPr>
-          </a:p>
-        </p:txBody>
-      </p:sp>
-      <p:sp>
-        <p:nvSpPr>
-          <p:cNvPr id="97" name="CustomShape 3"/>
-          <p:cNvSpPr/>
-          <p:nvPr/>
-        </p:nvSpPr>
-        <p:spPr>
-          <a:xfrm>
-            <a:off x="692640" y="2431440"/>
-            <a:ext cx="8691840" cy="1461240"/>
-          </a:xfrm>
-          <a:prstGeom prst="rect">
-            <a:avLst/>
-          </a:prstGeom>
-          <a:noFill/>
-          <a:ln>
-            <a:noFill/>
-          </a:ln>
-        </p:spPr>
-        <p:style>
-          <a:lnRef idx="0">
-            <a:scrgbClr r="0" g="0" b="0"/>
-          </a:lnRef>
-          <a:fillRef idx="0">
-            <a:scrgbClr r="0" g="0" b="0"/>
-          </a:fillRef>
-          <a:effectRef idx="0">
-            <a:scrgbClr r="0" g="0" b="0"/>
-          </a:effectRef>
-          <a:fontRef idx="minor"/>
-        </p:style>
-        <p:txBody>
-          <a:bodyPr lIns="90000" tIns="45000" rIns="90000" bIns="45000">
-            <a:spAutoFit/>
-          </a:bodyPr>
-          <a:lstStyle/>
-          <a:p>
-            <a:pPr>
-              <a:lnSpc>
-                <a:spcPct val="100000"/>
-              </a:lnSpc>
-            </a:pPr>
-            <a:r>
-              <a:rPr lang="en" sz="1800" b="0" strike="noStrike" spc="-1" dirty="0">
-                <a:solidFill>
-                  <a:srgbClr val="000000"/>
-                </a:solidFill>
-                <a:latin typeface="Consolas"/>
-                <a:ea typeface="DejaVu Sans"/>
-              </a:rPr>
-              <a:t>@attr.s</a:t>
-            </a:r>
-            <a:endParaRPr lang="en-US" sz="1800" b="0" strike="noStrike" spc="-1" dirty="0">
-              <a:latin typeface="Arial"/>
-            </a:endParaRPr>
-          </a:p>
-          <a:p>
-            <a:pPr>
-              <a:lnSpc>
-                <a:spcPct val="100000"/>
-              </a:lnSpc>
-            </a:pPr>
-            <a:r>
-              <a:rPr lang="en" sz="1800" b="0" strike="noStrike" spc="-1" dirty="0">
-                <a:solidFill>
-                  <a:srgbClr val="000000"/>
-                </a:solidFill>
-                <a:latin typeface="Consolas"/>
-                <a:ea typeface="DejaVu Sans"/>
-              </a:rPr>
-              <a:t>class LoginDb:</a:t>
-            </a:r>
-            <a:endParaRPr lang="en-US" sz="1800" b="0" strike="noStrike" spc="-1" dirty="0">
-              <a:latin typeface="Arial"/>
-            </a:endParaRPr>
-          </a:p>
-          <a:p>
-            <a:pPr>
-              <a:lnSpc>
-                <a:spcPct val="100000"/>
-              </a:lnSpc>
-            </a:pPr>
-            <a:r>
-              <a:rPr lang="en" sz="1800" b="0" strike="noStrike" spc="-1" dirty="0">
-                <a:solidFill>
-                  <a:srgbClr val="000000"/>
-                </a:solidFill>
-                <a:latin typeface="Consolas"/>
-                <a:ea typeface="DejaVu Sans"/>
-              </a:rPr>
-              <a:t>	“”” Saves user logins “””</a:t>
-            </a:r>
-            <a:endParaRPr lang="en-US" sz="1800" b="0" strike="noStrike" spc="-1" dirty="0">
-              <a:latin typeface="Arial"/>
-            </a:endParaRPr>
-          </a:p>
-          <a:p>
-            <a:pPr>
-              <a:lnSpc>
-                <a:spcPct val="100000"/>
-              </a:lnSpc>
-            </a:pPr>
-            <a:r>
-              <a:rPr lang="en" sz="1800" b="0" strike="noStrike" spc="-1" dirty="0">
-                <a:solidFill>
-                  <a:srgbClr val="000000"/>
-                </a:solidFill>
-                <a:latin typeface="Consolas"/>
-                <a:ea typeface="DejaVu Sans"/>
-              </a:rPr>
-              <a:t>	db_conn = attr.ib()</a:t>
-            </a:r>
-            <a:endParaRPr lang="en-US" sz="1800" b="0" strike="noStrike" spc="-1" dirty="0">
-              <a:latin typeface="Arial"/>
-            </a:endParaRPr>
-          </a:p>
-          <a:p>
-            <a:pPr>
-              <a:lnSpc>
-                <a:spcPct val="100000"/>
-              </a:lnSpc>
-            </a:pPr>
-            <a:r>
-              <a:rPr lang="en" sz="1800" b="0" strike="noStrike" spc="-1" dirty="0">
-                <a:solidFill>
-                  <a:srgbClr val="000000"/>
-                </a:solidFill>
-                <a:latin typeface="Consolas"/>
-                <a:ea typeface="DejaVu Sans"/>
-              </a:rPr>
-              <a:t>	…</a:t>
-            </a:r>
-            <a:endParaRPr lang="en-US" sz="1800" b="0" strike="noStrike" spc="-1" dirty="0">
               <a:latin typeface="Arial"/>
             </a:endParaRPr>
           </a:p>
@@ -8109,13 +8187,13 @@
       </p:grpSpPr>
       <p:sp>
         <p:nvSpPr>
-          <p:cNvPr id="98" name="CustomShape 1"/>
+          <p:cNvPr id="85" name="CustomShape 1"/>
           <p:cNvSpPr/>
           <p:nvPr/>
         </p:nvSpPr>
         <p:spPr>
           <a:xfrm>
-            <a:off x="692640" y="276280"/>
+            <a:off x="376491" y="430923"/>
             <a:ext cx="8691840" cy="1094040"/>
           </a:xfrm>
           <a:prstGeom prst="rect">
@@ -8144,7 +8222,7 @@
           </a:bodyPr>
           <a:lstStyle/>
           <a:p>
-            <a:pPr>
+            <a:pPr algn="ctr">
               <a:lnSpc>
                 <a:spcPct val="90000"/>
               </a:lnSpc>
@@ -8157,7 +8235,7 @@
                 <a:latin typeface="Cambria"/>
                 <a:ea typeface="Cambria"/>
               </a:rPr>
-              <a:t>UI Key Features</a:t>
+              <a:t>Project Demo</a:t>
             </a:r>
             <a:endParaRPr lang="en-US" sz="4400" b="0" strike="noStrike" spc="-1" dirty="0">
               <a:latin typeface="Arial"/>
@@ -8167,13 +8245,13 @@
       </p:sp>
       <p:sp>
         <p:nvSpPr>
-          <p:cNvPr id="99" name="CustomShape 2"/>
+          <p:cNvPr id="86" name="CustomShape 2"/>
           <p:cNvSpPr/>
           <p:nvPr/>
         </p:nvSpPr>
         <p:spPr>
           <a:xfrm>
-            <a:off x="692640" y="1509120"/>
+            <a:off x="505800" y="2145960"/>
             <a:ext cx="8691840" cy="3595320"/>
           </a:xfrm>
           <a:prstGeom prst="rect">
@@ -8202,30 +8280,7 @@
           </a:bodyPr>
           <a:lstStyle/>
           <a:p>
-            <a:pPr>
-              <a:lnSpc>
-                <a:spcPct val="90000"/>
-              </a:lnSpc>
-              <a:spcBef>
-                <a:spcPts val="1001"/>
-              </a:spcBef>
-            </a:pPr>
-            <a:r>
-              <a:rPr lang="en" sz="2800" b="0" strike="noStrike" spc="-1" dirty="0">
-                <a:solidFill>
-                  <a:srgbClr val="000000"/>
-                </a:solidFill>
-                <a:latin typeface="Candara"/>
-                <a:ea typeface="DejaVu Sans"/>
-              </a:rPr>
-              <a:t>*** IMAGE OF UI ***</a:t>
-            </a:r>
-            <a:endParaRPr lang="en-US" sz="2800" b="0" strike="noStrike" spc="-1" dirty="0">
-              <a:latin typeface="Arial"/>
-            </a:endParaRPr>
-          </a:p>
-          <a:p>
-            <a:pPr>
+            <a:pPr algn="ctr">
               <a:lnSpc>
                 <a:spcPct val="90000"/>
               </a:lnSpc>
@@ -8237,37 +8292,14 @@
               <a:latin typeface="Arial"/>
             </a:endParaRPr>
           </a:p>
-          <a:p>
-            <a:pPr>
-              <a:lnSpc>
-                <a:spcPct val="90000"/>
-              </a:lnSpc>
-              <a:spcBef>
-                <a:spcPts val="1001"/>
-              </a:spcBef>
-            </a:pPr>
-            <a:r>
-              <a:rPr lang="en" sz="2800" b="0" strike="noStrike" spc="-1" dirty="0">
-                <a:solidFill>
-                  <a:srgbClr val="000000"/>
-                </a:solidFill>
-                <a:latin typeface="Candara"/>
-                <a:ea typeface="DejaVu Sans"/>
-              </a:rPr>
-              <a:t>*** CODE SAMPLE ***</a:t>
-            </a:r>
-            <a:endParaRPr lang="en-US" sz="2800" b="0" strike="noStrike" spc="-1" dirty="0">
-              <a:latin typeface="Arial"/>
-            </a:endParaRPr>
-          </a:p>
         </p:txBody>
       </p:sp>
       <p:pic>
         <p:nvPicPr>
-          <p:cNvPr id="3" name="Picture 2">
+          <p:cNvPr id="4" name="Picture 3">
             <a:extLst>
               <a:ext uri="{FF2B5EF4-FFF2-40B4-BE49-F238E27FC236}">
-                <a16:creationId xmlns:a16="http://schemas.microsoft.com/office/drawing/2014/main" id="{B4C2F771-1381-4DD5-9236-2A66A4A825E2}"/>
+                <a16:creationId xmlns:a16="http://schemas.microsoft.com/office/drawing/2014/main" id="{4A20A19A-C523-4C3B-B403-406ACF9874A0}"/>
               </a:ext>
             </a:extLst>
           </p:cNvPr>
@@ -8284,37 +8316,7 @@
         </p:blipFill>
         <p:spPr>
           <a:xfrm>
-            <a:off x="321733" y="1288574"/>
-            <a:ext cx="9471025" cy="3052825"/>
-          </a:xfrm>
-          <a:prstGeom prst="rect">
-            <a:avLst/>
-          </a:prstGeom>
-        </p:spPr>
-      </p:pic>
-      <p:pic>
-        <p:nvPicPr>
-          <p:cNvPr id="5" name="Picture 4">
-            <a:extLst>
-              <a:ext uri="{FF2B5EF4-FFF2-40B4-BE49-F238E27FC236}">
-                <a16:creationId xmlns:a16="http://schemas.microsoft.com/office/drawing/2014/main" id="{D26B20A2-0438-4827-B991-5030A9A97627}"/>
-              </a:ext>
-            </a:extLst>
-          </p:cNvPr>
-          <p:cNvPicPr>
-            <a:picLocks noChangeAspect="1"/>
-          </p:cNvPicPr>
-          <p:nvPr/>
-        </p:nvPicPr>
-        <p:blipFill>
-          <a:blip r:embed="rId3"/>
-          <a:stretch>
-            <a:fillRect/>
-          </a:stretch>
-        </p:blipFill>
-        <p:spPr>
-          <a:xfrm>
-            <a:off x="-1" y="1216554"/>
+            <a:off x="0" y="1717491"/>
             <a:ext cx="10080625" cy="3953059"/>
           </a:xfrm>
           <a:prstGeom prst="rect">
@@ -8349,7 +8351,7 @@
       </p:grpSpPr>
       <p:sp>
         <p:nvSpPr>
-          <p:cNvPr id="100" name="CustomShape 1"/>
+          <p:cNvPr id="104" name="CustomShape 1"/>
           <p:cNvSpPr/>
           <p:nvPr/>
         </p:nvSpPr>
@@ -8397,7 +8399,7 @@
                 <a:latin typeface="Cambria"/>
                 <a:ea typeface="Cambria"/>
               </a:rPr>
-              <a:t>Main Challenges and Difficulties</a:t>
+              <a:t>Concluding Remarks</a:t>
             </a:r>
             <a:endParaRPr lang="en-US" sz="4400" b="0" strike="noStrike" spc="-1">
               <a:latin typeface="Arial"/>
@@ -8407,7 +8409,7 @@
       </p:sp>
       <p:sp>
         <p:nvSpPr>
-          <p:cNvPr id="101" name="CustomShape 2"/>
+          <p:cNvPr id="105" name="CustomShape 2"/>
           <p:cNvSpPr/>
           <p:nvPr/>
         </p:nvSpPr>
@@ -8443,9 +8445,6 @@
           <a:lstStyle/>
           <a:p>
             <a:pPr marL="228600" indent="-226440">
-              <a:lnSpc>
-                <a:spcPct val="90000"/>
-              </a:lnSpc>
               <a:spcBef>
                 <a:spcPts val="1001"/>
               </a:spcBef>
@@ -8456,38 +8455,18 @@
               <a:buChar char="•"/>
             </a:pPr>
             <a:r>
-              <a:rPr lang="en" sz="2800" spc="-1" dirty="0">
+              <a:rPr lang="en" sz="2000" b="1" strike="noStrike" spc="-1" dirty="0">
                 <a:solidFill>
                   <a:srgbClr val="000000"/>
                 </a:solidFill>
                 <a:latin typeface="Candara"/>
+                <a:ea typeface="DejaVu Sans"/>
               </a:rPr>
-              <a:t>Epoching the nights turned out to be a hassle. </a:t>
-            </a:r>
-            <a:r>
-              <a:rPr lang="en-US" sz="2800" spc="-1" dirty="0">
-                <a:solidFill>
-                  <a:srgbClr val="000000"/>
-                </a:solidFill>
-                <a:latin typeface="Candara"/>
-              </a:rPr>
-              <a:t>Finally,</a:t>
-            </a:r>
-            <a:r>
-              <a:rPr lang="en" sz="2800" spc="-1" dirty="0">
-                <a:solidFill>
-                  <a:srgbClr val="000000"/>
-                </a:solidFill>
-                <a:latin typeface="Candara"/>
-              </a:rPr>
-              <a:t> we decided to epoch it by hours and then cut off the wake time from each file. </a:t>
+              <a:t>Is the project usable?</a:t>
             </a:r>
           </a:p>
           <a:p>
             <a:pPr marL="228600" indent="-226440">
-              <a:lnSpc>
-                <a:spcPct val="90000"/>
-              </a:lnSpc>
               <a:spcBef>
                 <a:spcPts val="1001"/>
               </a:spcBef>
@@ -8498,59 +8477,102 @@
               <a:buChar char="•"/>
             </a:pPr>
             <a:r>
-              <a:rPr lang="en" sz="2800" b="0" strike="noStrike" spc="-1" dirty="0">
+              <a:rPr lang="en" sz="2000" spc="-1" dirty="0">
+                <a:solidFill>
+                  <a:srgbClr val="000000"/>
+                </a:solidFill>
+                <a:latin typeface="Candara"/>
+                <a:ea typeface="DejaVu Sans"/>
+              </a:rPr>
+              <a:t>The project is usable and user friendly. Scientists can choose which features they would like to use: our application suggests ploting figures for different physiology data for each subject, as well as calculating different statistics based on sleep parameters, in order to predict and understand the correlations. </a:t>
+            </a:r>
+            <a:r>
+              <a:rPr lang="en" sz="2000" b="0" strike="noStrike" spc="-1" dirty="0">
+                <a:solidFill>
+                  <a:srgbClr val="000000"/>
+                </a:solidFill>
+                <a:latin typeface="Candara"/>
+                <a:ea typeface="DejaVu Sans"/>
+              </a:rPr>
+              <a:t> </a:t>
+            </a:r>
+            <a:endParaRPr lang="en-US" sz="2000" b="0" strike="noStrike" spc="-1" dirty="0">
+              <a:latin typeface="Arial"/>
+            </a:endParaRPr>
+          </a:p>
+          <a:p>
+            <a:pPr>
+              <a:spcBef>
+                <a:spcPts val="1001"/>
+              </a:spcBef>
+            </a:pPr>
+            <a:endParaRPr lang="en-US" sz="2000" b="1" strike="noStrike" spc="-1" dirty="0">
+              <a:latin typeface="Arial"/>
+            </a:endParaRPr>
+          </a:p>
+          <a:p>
+            <a:pPr marL="228600" indent="-226440">
+              <a:spcBef>
+                <a:spcPts val="1001"/>
+              </a:spcBef>
+              <a:buClr>
+                <a:srgbClr val="000000"/>
+              </a:buClr>
+              <a:buFont typeface="Arial"/>
+              <a:buChar char="•"/>
+            </a:pPr>
+            <a:r>
+              <a:rPr lang="en" sz="2000" b="1" strike="noStrike" spc="-1" dirty="0">
+                <a:solidFill>
+                  <a:srgbClr val="000000"/>
+                </a:solidFill>
+                <a:latin typeface="Candara"/>
+                <a:ea typeface="DejaVu Sans"/>
+              </a:rPr>
+              <a:t>What’s left to do?</a:t>
+            </a:r>
+          </a:p>
+          <a:p>
+            <a:pPr marL="228600" indent="-226440">
+              <a:spcBef>
+                <a:spcPts val="1001"/>
+              </a:spcBef>
+              <a:buClr>
+                <a:srgbClr val="000000"/>
+              </a:buClr>
+              <a:buFont typeface="Arial"/>
+              <a:buChar char="•"/>
+            </a:pPr>
+            <a:r>
+              <a:rPr lang="en-US" sz="2000" spc="-1" dirty="0">
                 <a:solidFill>
                   <a:srgbClr val="000000"/>
                 </a:solidFill>
                 <a:latin typeface="Candara"/>
               </a:rPr>
-              <a:t>Creating time stamps was a chall</a:t>
-            </a:r>
-            <a:r>
-              <a:rPr lang="en-US" sz="2800" b="0" strike="noStrike" spc="-1" dirty="0">
-                <a:solidFill>
-                  <a:srgbClr val="000000"/>
-                </a:solidFill>
-                <a:latin typeface="Candara"/>
-              </a:rPr>
-              <a:t>e</a:t>
-            </a:r>
-            <a:r>
-              <a:rPr lang="en" sz="2800" b="0" strike="noStrike" spc="-1" dirty="0">
-                <a:solidFill>
-                  <a:srgbClr val="000000"/>
-                </a:solidFill>
-                <a:latin typeface="Candara"/>
-              </a:rPr>
-              <a:t>nge. We used a program which does that.  </a:t>
-            </a:r>
-            <a:endParaRPr lang="en-US" sz="2800" b="0" strike="noStrike" spc="-1" dirty="0">
+              <a:t>Integrating physiological measurements with other advanced monitors.</a:t>
+            </a:r>
+            <a:endParaRPr lang="en-US" sz="2000" b="0" strike="noStrike" spc="-1" dirty="0">
               <a:latin typeface="Arial"/>
             </a:endParaRPr>
           </a:p>
           <a:p>
             <a:pPr>
-              <a:lnSpc>
-                <a:spcPct val="90000"/>
-              </a:lnSpc>
               <a:spcBef>
                 <a:spcPts val="1001"/>
               </a:spcBef>
             </a:pPr>
-            <a:endParaRPr lang="en-US" sz="2800" b="0" strike="noStrike" spc="-1" dirty="0">
+            <a:endParaRPr lang="en-US" sz="2000" b="0" strike="noStrike" spc="-1" dirty="0">
               <a:latin typeface="Arial"/>
             </a:endParaRPr>
           </a:p>
           <a:p>
             <a:pPr>
-              <a:lnSpc>
-                <a:spcPct val="90000"/>
-              </a:lnSpc>
               <a:spcBef>
                 <a:spcPts val="1001"/>
               </a:spcBef>
             </a:pPr>
-            <a:endParaRPr lang="en-US" sz="2800" b="0" strike="noStrike" spc="-1" dirty="0">
+            <a:endParaRPr lang="en-US" sz="2000" b="0" strike="noStrike" spc="-1" dirty="0">
               <a:latin typeface="Arial"/>
             </a:endParaRPr>
           </a:p>
